--- a/Dokumentation/Präsentation.pptx
+++ b/Dokumentation/Präsentation.pptx
@@ -272,7 +272,7 @@
                 <a:latin typeface="Arial" panose="020B0604020202020204" pitchFamily="34" charset="0"/>
                 <a:cs typeface="Arial" panose="020B0604020202020204" pitchFamily="34" charset="0"/>
               </a:rPr>
-              <a:t>21.02.2019</a:t>
+              <a:t>24.02.2019</a:t>
             </a:fld>
             <a:endParaRPr lang="de-DE">
               <a:latin typeface="Arial" panose="020B0604020202020204" pitchFamily="34" charset="0"/>
@@ -456,7 +456,7 @@
             <a:fld id="{0C637F98-156A-4763-A29D-A4D93243509E}" type="datetimeFigureOut">
               <a:rPr lang="de-DE" smtClean="0"/>
               <a:pPr/>
-              <a:t>21.02.2019</a:t>
+              <a:t>24.02.2019</a:t>
             </a:fld>
             <a:endParaRPr lang="de-DE" dirty="0"/>
           </a:p>
@@ -1968,7 +1968,7 @@
             </a:pPr>
             <a:fld id="{51D12988-2311-49D8-95BD-13FB23C5CA64}" type="datetime1">
               <a:rPr lang="en-US" smtClean="0"/>
-              <a:t>2/21/2019</a:t>
+              <a:t>2/24/2019</a:t>
             </a:fld>
             <a:endParaRPr lang="en-US" dirty="0"/>
           </a:p>
@@ -2444,7 +2444,7 @@
             </a:pPr>
             <a:fld id="{C6173087-D9B5-4785-BBC9-01EEDCC3B3A6}" type="datetime1">
               <a:rPr lang="en-US" smtClean="0"/>
-              <a:t>2/21/2019</a:t>
+              <a:t>2/24/2019</a:t>
             </a:fld>
             <a:endParaRPr lang="en-US" dirty="0"/>
           </a:p>
@@ -2709,7 +2709,7 @@
             </a:pPr>
             <a:fld id="{0EC657A2-6231-4373-BA49-2691312D4ED9}" type="datetime1">
               <a:rPr lang="en-US" smtClean="0"/>
-              <a:t>2/21/2019</a:t>
+              <a:t>2/24/2019</a:t>
             </a:fld>
             <a:endParaRPr lang="en-US" dirty="0"/>
           </a:p>
@@ -3088,7 +3088,7 @@
             </a:pPr>
             <a:fld id="{96D1B23C-4A04-4FDA-B701-A81515676BCF}" type="datetime1">
               <a:rPr lang="en-US" smtClean="0"/>
-              <a:t>2/21/2019</a:t>
+              <a:t>2/24/2019</a:t>
             </a:fld>
             <a:endParaRPr lang="en-US" dirty="0"/>
           </a:p>
@@ -3566,7 +3566,7 @@
             </a:pPr>
             <a:fld id="{F40C6B20-ED30-4844-9EE0-B50D6C230086}" type="datetime1">
               <a:rPr lang="en-US" smtClean="0"/>
-              <a:t>2/21/2019</a:t>
+              <a:t>2/24/2019</a:t>
             </a:fld>
             <a:endParaRPr lang="en-US" dirty="0"/>
           </a:p>
@@ -3956,7 +3956,7 @@
             </a:pPr>
             <a:fld id="{7113292A-4E5D-4503-B788-E5EC888AEC61}" type="datetime1">
               <a:rPr lang="en-US" smtClean="0"/>
-              <a:t>2/21/2019</a:t>
+              <a:t>2/24/2019</a:t>
             </a:fld>
             <a:endParaRPr lang="en-US" dirty="0"/>
           </a:p>
@@ -4336,7 +4336,7 @@
             </a:pPr>
             <a:fld id="{FC7A84B1-719A-41F6-9636-581FB198B99A}" type="datetime1">
               <a:rPr lang="en-US" smtClean="0"/>
-              <a:t>2/21/2019</a:t>
+              <a:t>2/24/2019</a:t>
             </a:fld>
             <a:endParaRPr lang="en-US" dirty="0"/>
           </a:p>
@@ -5095,7 +5095,7 @@
             </a:pPr>
             <a:fld id="{BC527D3D-2D64-4D88-99FC-40B663DB4670}" type="datetime1">
               <a:rPr lang="en-US" smtClean="0"/>
-              <a:t>2/21/2019</a:t>
+              <a:t>2/24/2019</a:t>
             </a:fld>
             <a:endParaRPr lang="en-US" dirty="0"/>
           </a:p>
@@ -5523,7 +5523,7 @@
             </a:pPr>
             <a:fld id="{D0403D1A-C80C-4B45-8BD8-DE6C25D355CF}" type="datetime1">
               <a:rPr lang="en-US" smtClean="0"/>
-              <a:t>2/21/2019</a:t>
+              <a:t>2/24/2019</a:t>
             </a:fld>
             <a:endParaRPr lang="en-US" dirty="0"/>
           </a:p>
@@ -6120,7 +6120,7 @@
             </a:pPr>
             <a:fld id="{9648A602-35A6-441D-A0B3-E2884A24774C}" type="datetime1">
               <a:rPr lang="en-US" smtClean="0"/>
-              <a:t>2/21/2019</a:t>
+              <a:t>2/24/2019</a:t>
             </a:fld>
             <a:endParaRPr lang="en-US" dirty="0"/>
           </a:p>
@@ -6485,7 +6485,7 @@
             </a:pPr>
             <a:fld id="{6BDD2724-8448-4064-B4C9-53857881707D}" type="datetime1">
               <a:rPr lang="en-US" smtClean="0"/>
-              <a:t>2/21/2019</a:t>
+              <a:t>2/24/2019</a:t>
             </a:fld>
             <a:endParaRPr lang="en-US" dirty="0"/>
           </a:p>
@@ -6892,7 +6892,7 @@
             </a:pPr>
             <a:fld id="{9B2FBB8C-CCDD-42DE-A980-6EEC5A0C6865}" type="datetime1">
               <a:rPr lang="en-US" smtClean="0"/>
-              <a:t>2/21/2019</a:t>
+              <a:t>2/24/2019</a:t>
             </a:fld>
             <a:endParaRPr lang="en-US" dirty="0"/>
           </a:p>
@@ -7316,7 +7316,7 @@
             </a:pPr>
             <a:fld id="{05906B65-21CE-4D9B-A27B-5F7EDF1BEAEF}" type="datetime1">
               <a:rPr lang="en-US" smtClean="0"/>
-              <a:t>2/21/2019</a:t>
+              <a:t>2/24/2019</a:t>
             </a:fld>
             <a:endParaRPr lang="en-US" dirty="0"/>
           </a:p>
@@ -7683,7 +7683,7 @@
             </a:pPr>
             <a:fld id="{4621BD7D-0AC7-4151-9E43-40352A2205CC}" type="datetime1">
               <a:rPr lang="en-US" smtClean="0"/>
-              <a:t>2/21/2019</a:t>
+              <a:t>2/24/2019</a:t>
             </a:fld>
             <a:endParaRPr lang="en-US" dirty="0"/>
           </a:p>
@@ -8065,7 +8065,7 @@
             </a:pPr>
             <a:fld id="{B95A1E6B-E1E7-4F21-9C57-195197A416C1}" type="datetime1">
               <a:rPr lang="en-US" smtClean="0"/>
-              <a:t>2/21/2019</a:t>
+              <a:t>2/24/2019</a:t>
             </a:fld>
             <a:endParaRPr lang="en-US" dirty="0"/>
           </a:p>
@@ -8349,7 +8349,7 @@
             </a:pPr>
             <a:fld id="{6C6B24F3-52F9-45E0-A431-9D1D5B561384}" type="datetime1">
               <a:rPr lang="en-US" smtClean="0"/>
-              <a:t>2/21/2019</a:t>
+              <a:t>2/24/2019</a:t>
             </a:fld>
             <a:endParaRPr lang="en-US" dirty="0"/>
           </a:p>
@@ -8734,7 +8734,7 @@
             </a:pPr>
             <a:fld id="{3F84D486-F2F9-4E36-A44A-BDCC0D7298B8}" type="datetime1">
               <a:rPr lang="en-US" smtClean="0"/>
-              <a:t>2/21/2019</a:t>
+              <a:t>2/24/2019</a:t>
             </a:fld>
             <a:endParaRPr lang="en-US" dirty="0"/>
           </a:p>
@@ -9316,7 +9316,7 @@
             </a:pPr>
             <a:fld id="{BA9554C4-4AAE-426A-8A12-9CE57DB01E8D}" type="datetime1">
               <a:rPr lang="en-US" smtClean="0"/>
-              <a:t>2/21/2019</a:t>
+              <a:t>2/24/2019</a:t>
             </a:fld>
             <a:endParaRPr lang="en-US" dirty="0"/>
           </a:p>
@@ -9799,7 +9799,7 @@
             </a:pPr>
             <a:fld id="{2D2DC78E-E20A-4551-8693-68CCA20358B1}" type="datetime1">
               <a:rPr lang="en-US" smtClean="0"/>
-              <a:t>2/21/2019</a:t>
+              <a:t>2/24/2019</a:t>
             </a:fld>
             <a:endParaRPr lang="en-US" dirty="0"/>
           </a:p>
@@ -10265,7 +10265,7 @@
             </a:pPr>
             <a:fld id="{8D66A070-9A12-4EBA-B3F2-544BBBBDA54F}" type="datetime1">
               <a:rPr lang="en-US" smtClean="0"/>
-              <a:t>2/21/2019</a:t>
+              <a:t>2/24/2019</a:t>
             </a:fld>
             <a:endParaRPr lang="en-US" dirty="0"/>
           </a:p>
@@ -11128,7 +11128,7 @@
             </a:pPr>
             <a:fld id="{51D12988-2311-49D8-95BD-13FB23C5CA64}" type="datetime1">
               <a:rPr lang="en-US" smtClean="0"/>
-              <a:t>2/21/2019</a:t>
+              <a:t>2/24/2019</a:t>
             </a:fld>
             <a:endParaRPr lang="en-US" dirty="0"/>
           </a:p>
@@ -11171,7 +11171,7 @@
             </a:r>
             <a:r>
               <a:rPr lang="en-US" dirty="0" smtClean="0"/>
-              <a:t>| </a:t>
+              <a:t> | </a:t>
             </a:r>
             <a:r>
               <a:rPr lang="en-US" dirty="0" smtClean="0"/>
@@ -11429,17 +11429,6 @@
               </a:rPr>
               <a:t>$%&amp;</a:t>
             </a:r>
-            <a:endParaRPr kumimoji="0" lang="de-DE" sz="2600" b="0" i="0" u="none" strike="noStrike" cap="none" normalizeH="0" baseline="0" dirty="0" smtClean="0">
-              <a:ln>
-                <a:noFill/>
-              </a:ln>
-              <a:solidFill>
-                <a:srgbClr val="FFFFFF"/>
-              </a:solidFill>
-              <a:effectLst/>
-              <a:latin typeface="Arial" panose="020B0604020202020204" pitchFamily="34" charset="0"/>
-              <a:cs typeface="Arial Unicode MS" charset="0"/>
-            </a:endParaRPr>
           </a:p>
         </p:txBody>
       </p:sp>
@@ -11827,17 +11816,6 @@
               </a:rPr>
               <a:t>$%&amp;</a:t>
             </a:r>
-            <a:endParaRPr kumimoji="0" lang="de-DE" sz="2600" b="0" i="0" u="none" strike="noStrike" cap="none" normalizeH="0" baseline="0" dirty="0" smtClean="0">
-              <a:ln>
-                <a:noFill/>
-              </a:ln>
-              <a:solidFill>
-                <a:srgbClr val="FFFFFF"/>
-              </a:solidFill>
-              <a:effectLst/>
-              <a:latin typeface="Arial" panose="020B0604020202020204" pitchFamily="34" charset="0"/>
-              <a:cs typeface="Arial Unicode MS" charset="0"/>
-            </a:endParaRPr>
           </a:p>
         </p:txBody>
       </p:sp>
@@ -11917,17 +11895,6 @@
               </a:rPr>
               <a:t>$%&amp;</a:t>
             </a:r>
-            <a:endParaRPr kumimoji="0" lang="de-DE" sz="2600" b="0" i="0" u="none" strike="noStrike" cap="none" normalizeH="0" baseline="0" dirty="0" smtClean="0">
-              <a:ln>
-                <a:noFill/>
-              </a:ln>
-              <a:solidFill>
-                <a:srgbClr val="FFFFFF"/>
-              </a:solidFill>
-              <a:effectLst/>
-              <a:latin typeface="Arial" panose="020B0604020202020204" pitchFamily="34" charset="0"/>
-              <a:cs typeface="Arial Unicode MS" charset="0"/>
-            </a:endParaRPr>
           </a:p>
         </p:txBody>
       </p:sp>
@@ -12007,17 +11974,6 @@
               </a:rPr>
               <a:t>$%&amp;</a:t>
             </a:r>
-            <a:endParaRPr kumimoji="0" lang="de-DE" sz="2600" b="0" i="0" u="none" strike="noStrike" cap="none" normalizeH="0" baseline="0" dirty="0" smtClean="0">
-              <a:ln>
-                <a:noFill/>
-              </a:ln>
-              <a:solidFill>
-                <a:srgbClr val="FFFFFF"/>
-              </a:solidFill>
-              <a:effectLst/>
-              <a:latin typeface="Arial" panose="020B0604020202020204" pitchFamily="34" charset="0"/>
-              <a:cs typeface="Arial Unicode MS" charset="0"/>
-            </a:endParaRPr>
           </a:p>
         </p:txBody>
       </p:sp>
@@ -12078,7 +12034,7 @@
             </a:pPr>
             <a:fld id="{51D12988-2311-49D8-95BD-13FB23C5CA64}" type="datetime1">
               <a:rPr lang="en-US" smtClean="0"/>
-              <a:t>2/21/2019</a:t>
+              <a:t>2/24/2019</a:t>
             </a:fld>
             <a:endParaRPr lang="en-US" dirty="0"/>
           </a:p>
@@ -12121,7 +12077,7 @@
             </a:r>
             <a:r>
               <a:rPr lang="en-US" dirty="0" smtClean="0"/>
-              <a:t>| </a:t>
+              <a:t> | </a:t>
             </a:r>
             <a:r>
               <a:rPr lang="en-US" dirty="0" smtClean="0"/>
@@ -12478,12 +12434,6 @@
               </a:rPr>
               <a:t>Computer im Netzwerk</a:t>
             </a:r>
-            <a:endParaRPr lang="de-DE" sz="1600" b="0" i="0" u="none" baseline="0" dirty="0" smtClean="0">
-              <a:solidFill>
-                <a:srgbClr val="000000"/>
-              </a:solidFill>
-              <a:latin typeface="Arial" panose="020B0604020202020204" pitchFamily="34" charset="0"/>
-            </a:endParaRPr>
           </a:p>
         </p:txBody>
       </p:sp>
@@ -12559,12 +12509,6 @@
               </a:rPr>
               <a:t>Luca</a:t>
             </a:r>
-            <a:endParaRPr lang="de-DE" sz="1600" b="0" i="0" u="none" baseline="0" dirty="0" smtClean="0">
-              <a:solidFill>
-                <a:srgbClr val="000000"/>
-              </a:solidFill>
-              <a:latin typeface="Arial" panose="020B0604020202020204" pitchFamily="34" charset="0"/>
-            </a:endParaRPr>
           </a:p>
         </p:txBody>
       </p:sp>
@@ -12610,12 +12554,6 @@
               </a:rPr>
               <a:t>Jacqueline</a:t>
             </a:r>
-            <a:endParaRPr lang="de-DE" sz="1600" b="0" i="0" u="none" baseline="0" dirty="0" smtClean="0">
-              <a:solidFill>
-                <a:srgbClr val="000000"/>
-              </a:solidFill>
-              <a:latin typeface="Arial" panose="020B0604020202020204" pitchFamily="34" charset="0"/>
-            </a:endParaRPr>
           </a:p>
         </p:txBody>
       </p:sp>
@@ -12661,12 +12599,6 @@
               </a:rPr>
               <a:t>Peter</a:t>
             </a:r>
-            <a:endParaRPr lang="de-DE" sz="1600" b="0" i="0" u="none" baseline="0" dirty="0" smtClean="0">
-              <a:solidFill>
-                <a:srgbClr val="000000"/>
-              </a:solidFill>
-              <a:latin typeface="Arial" panose="020B0604020202020204" pitchFamily="34" charset="0"/>
-            </a:endParaRPr>
           </a:p>
         </p:txBody>
       </p:sp>
@@ -13001,7 +12933,7 @@
             </a:pPr>
             <a:fld id="{51D12988-2311-49D8-95BD-13FB23C5CA64}" type="datetime1">
               <a:rPr lang="en-US" smtClean="0"/>
-              <a:t>2/21/2019</a:t>
+              <a:t>2/24/2019</a:t>
             </a:fld>
             <a:endParaRPr lang="en-US" dirty="0"/>
           </a:p>
@@ -13044,7 +12976,7 @@
             </a:r>
             <a:r>
               <a:rPr lang="en-US" dirty="0" smtClean="0"/>
-              <a:t>| </a:t>
+              <a:t> | </a:t>
             </a:r>
             <a:r>
               <a:rPr lang="en-US" dirty="0" smtClean="0"/>
@@ -13143,6 +13075,116 @@
           </a:prstGeom>
         </p:spPr>
       </p:pic>
+      <p:sp>
+        <p:nvSpPr>
+          <p:cNvPr id="5" name="Datumsplatzhalter 13"/>
+          <p:cNvSpPr>
+            <a:spLocks noGrp="1"/>
+          </p:cNvSpPr>
+          <p:nvPr>
+            <p:ph type="dt" sz="half" idx="2"/>
+          </p:nvPr>
+        </p:nvSpPr>
+        <p:spPr>
+          <a:xfrm>
+            <a:off x="7669658" y="6623088"/>
+            <a:ext cx="2845047" cy="147581"/>
+          </a:xfrm>
+        </p:spPr>
+        <p:txBody>
+          <a:bodyPr/>
+          <a:lstStyle/>
+          <a:p>
+            <a:pPr defTabSz="485161" fontAlgn="base" hangingPunct="0">
+              <a:lnSpc>
+                <a:spcPct val="93000"/>
+              </a:lnSpc>
+              <a:spcBef>
+                <a:spcPct val="0"/>
+              </a:spcBef>
+              <a:spcAft>
+                <a:spcPct val="0"/>
+              </a:spcAft>
+              <a:buSzPct val="100000"/>
+              <a:tabLst>
+                <a:tab pos="0" algn="l"/>
+                <a:tab pos="483447" algn="l"/>
+                <a:tab pos="968608" algn="l"/>
+                <a:tab pos="1453768" algn="l"/>
+                <a:tab pos="1938932" algn="l"/>
+                <a:tab pos="2424091" algn="l"/>
+                <a:tab pos="2909252" algn="l"/>
+                <a:tab pos="3394415" algn="l"/>
+                <a:tab pos="3879574" algn="l"/>
+                <a:tab pos="4364734" algn="l"/>
+                <a:tab pos="4849898" algn="l"/>
+                <a:tab pos="5335057" algn="l"/>
+                <a:tab pos="5820220" algn="l"/>
+                <a:tab pos="6305381" algn="l"/>
+                <a:tab pos="6790542" algn="l"/>
+                <a:tab pos="7275702" algn="l"/>
+                <a:tab pos="7760865" algn="l"/>
+                <a:tab pos="8246025" algn="l"/>
+                <a:tab pos="8731187" algn="l"/>
+                <a:tab pos="9216348" algn="l"/>
+                <a:tab pos="9701509" algn="l"/>
+              </a:tabLst>
+            </a:pPr>
+            <a:fld id="{51D12988-2311-49D8-95BD-13FB23C5CA64}" type="datetime1">
+              <a:rPr lang="en-US" smtClean="0"/>
+              <a:t>2/24/2019</a:t>
+            </a:fld>
+            <a:endParaRPr lang="en-US" dirty="0"/>
+          </a:p>
+        </p:txBody>
+      </p:sp>
+      <p:sp>
+        <p:nvSpPr>
+          <p:cNvPr id="6" name="Fußzeilenplatzhalter 14"/>
+          <p:cNvSpPr>
+            <a:spLocks noGrp="1"/>
+          </p:cNvSpPr>
+          <p:nvPr>
+            <p:ph type="ftr" sz="quarter" idx="3"/>
+          </p:nvPr>
+        </p:nvSpPr>
+        <p:spPr>
+          <a:xfrm>
+            <a:off x="683703" y="6623088"/>
+            <a:ext cx="5400469" cy="148013"/>
+          </a:xfrm>
+        </p:spPr>
+        <p:txBody>
+          <a:bodyPr/>
+          <a:lstStyle/>
+          <a:p>
+            <a:pPr>
+              <a:defRPr/>
+            </a:pPr>
+            <a:r>
+              <a:rPr lang="en-US" dirty="0" err="1" smtClean="0"/>
+              <a:t>Informatikprojekt</a:t>
+            </a:r>
+            <a:r>
+              <a:rPr lang="en-US" dirty="0" smtClean="0"/>
+              <a:t> </a:t>
+            </a:r>
+            <a:r>
+              <a:rPr lang="en-US" dirty="0" err="1" smtClean="0"/>
+              <a:t>Chatprogramm</a:t>
+            </a:r>
+            <a:r>
+              <a:rPr lang="en-US" dirty="0" smtClean="0"/>
+              <a:t> | </a:t>
+            </a:r>
+            <a:r>
+              <a:rPr lang="en-US" dirty="0" smtClean="0"/>
+              <a:t>DHBW Karlsruhe; Jacqueline Kaefer &amp; Luca Katzenberger</a:t>
+            </a:r>
+            <a:endParaRPr lang="en-US" dirty="0"/>
+          </a:p>
+        </p:txBody>
+      </p:sp>
     </p:spTree>
     <p:extLst>
       <p:ext uri="{BB962C8B-B14F-4D97-AF65-F5344CB8AC3E}">
@@ -13265,7 +13307,7 @@
             </a:pPr>
             <a:fld id="{51D12988-2311-49D8-95BD-13FB23C5CA64}" type="datetime1">
               <a:rPr lang="en-US" smtClean="0"/>
-              <a:t>2/21/2019</a:t>
+              <a:t>2/24/2019</a:t>
             </a:fld>
             <a:endParaRPr lang="en-US" dirty="0"/>
           </a:p>
@@ -13308,11 +13350,7 @@
             </a:r>
             <a:r>
               <a:rPr lang="en-US" dirty="0" smtClean="0"/>
-              <a:t>| </a:t>
-            </a:r>
-            <a:r>
-              <a:rPr lang="en-US" dirty="0" smtClean="0"/>
-              <a:t>DHBW Karlsruhe; Jacqueline Kaefer &amp; Luca Katzenberger</a:t>
+              <a:t>| DHBW Karlsruhe; Jacqueline Kaefer &amp; Luca Katzenberger</a:t>
             </a:r>
             <a:endParaRPr lang="en-US" dirty="0"/>
           </a:p>
@@ -13486,7 +13524,7 @@
             </a:pPr>
             <a:fld id="{51D12988-2311-49D8-95BD-13FB23C5CA64}" type="datetime1">
               <a:rPr lang="en-US" smtClean="0"/>
-              <a:t>2/21/2019</a:t>
+              <a:t>2/24/2019</a:t>
             </a:fld>
             <a:endParaRPr lang="en-US" dirty="0"/>
           </a:p>
@@ -13529,11 +13567,7 @@
             </a:r>
             <a:r>
               <a:rPr lang="en-US" dirty="0" smtClean="0"/>
-              <a:t>| </a:t>
-            </a:r>
-            <a:r>
-              <a:rPr lang="en-US" dirty="0" smtClean="0"/>
-              <a:t>DHBW Karlsruhe; Jacqueline Kaefer &amp; Luca Katzenberger</a:t>
+              <a:t>| DHBW Karlsruhe; Jacqueline Kaefer &amp; Luca Katzenberger</a:t>
             </a:r>
             <a:endParaRPr lang="en-US" dirty="0"/>
           </a:p>

--- a/Dokumentation/Präsentation.pptx
+++ b/Dokumentation/Präsentation.pptx
@@ -272,7 +272,7 @@
                 <a:latin typeface="Arial" panose="020B0604020202020204" pitchFamily="34" charset="0"/>
                 <a:cs typeface="Arial" panose="020B0604020202020204" pitchFamily="34" charset="0"/>
               </a:rPr>
-              <a:t>24.02.2019</a:t>
+              <a:t>25.02.2019</a:t>
             </a:fld>
             <a:endParaRPr lang="de-DE">
               <a:latin typeface="Arial" panose="020B0604020202020204" pitchFamily="34" charset="0"/>
@@ -456,7 +456,7 @@
             <a:fld id="{0C637F98-156A-4763-A29D-A4D93243509E}" type="datetimeFigureOut">
               <a:rPr lang="de-DE" smtClean="0"/>
               <a:pPr/>
-              <a:t>24.02.2019</a:t>
+              <a:t>25.02.2019</a:t>
             </a:fld>
             <a:endParaRPr lang="de-DE" dirty="0"/>
           </a:p>
@@ -780,17 +780,32 @@
             </a:r>
           </a:p>
           <a:p>
+            <a:pPr lvl="0"/>
+            <a:r>
+              <a:rPr lang="de-DE" baseline="0" dirty="0" smtClean="0"/>
+              <a:t>Weitere Anforderungen:</a:t>
+            </a:r>
+          </a:p>
+          <a:p>
             <a:pPr lvl="1"/>
             <a:r>
               <a:rPr lang="de-DE" baseline="0" dirty="0" smtClean="0"/>
-              <a:t>Mehrere Chats parallel</a:t>
-            </a:r>
-          </a:p>
-          <a:p>
-            <a:pPr lvl="0"/>
+              <a:t>Mehrere </a:t>
+            </a:r>
             <a:r>
               <a:rPr lang="de-DE" baseline="0" dirty="0" smtClean="0"/>
-              <a:t>Nachrichten speichern</a:t>
+              <a:t>Chats parallel</a:t>
+            </a:r>
+          </a:p>
+          <a:p>
+            <a:pPr lvl="1"/>
+            <a:r>
+              <a:rPr lang="de-DE" baseline="0" dirty="0" smtClean="0"/>
+              <a:t>Nachrichten </a:t>
+            </a:r>
+            <a:r>
+              <a:rPr lang="de-DE" baseline="0" dirty="0" smtClean="0"/>
+              <a:t>speichern &amp; laden</a:t>
             </a:r>
             <a:endParaRPr lang="de-DE" dirty="0"/>
           </a:p>
@@ -885,8 +900,24 @@
           <a:p>
             <a:r>
               <a:rPr lang="de-DE" baseline="0" dirty="0" smtClean="0"/>
-              <a:t>Erklären der einzelnen Blöcke</a:t>
-            </a:r>
+              <a:t>Erklären der einzelnen </a:t>
+            </a:r>
+            <a:r>
+              <a:rPr lang="de-DE" baseline="0" dirty="0" smtClean="0"/>
+              <a:t>Blöcke</a:t>
+            </a:r>
+          </a:p>
+          <a:p>
+            <a:pPr lvl="1"/>
+            <a:r>
+              <a:rPr lang="de-DE" baseline="0" dirty="0" err="1" smtClean="0"/>
+              <a:t>Bool</a:t>
+            </a:r>
+            <a:r>
+              <a:rPr lang="de-DE" baseline="0" dirty="0" smtClean="0"/>
+              <a:t>: für Erweiterungen vorgesehen, Bsp: Antwort des Empfängers</a:t>
+            </a:r>
+            <a:endParaRPr lang="de-DE" baseline="0" dirty="0" smtClean="0"/>
           </a:p>
           <a:p>
             <a:r>
@@ -929,22 +960,30 @@
             </a:r>
             <a:r>
               <a:rPr lang="de-DE" baseline="0" dirty="0" smtClean="0"/>
-              <a:t> an einander gehängt</a:t>
+              <a:t> </a:t>
+            </a:r>
+            <a:r>
+              <a:rPr lang="de-DE" baseline="0" dirty="0" smtClean="0"/>
+              <a:t>aneinander </a:t>
+            </a:r>
+            <a:r>
+              <a:rPr lang="de-DE" baseline="0" dirty="0" smtClean="0"/>
+              <a:t>gehängt</a:t>
             </a:r>
           </a:p>
           <a:p>
             <a:pPr lvl="1"/>
-            <a:r>
-              <a:rPr lang="de-DE" baseline="0" dirty="0" smtClean="0"/>
-              <a:t>Dieser </a:t>
-            </a:r>
             <a:r>
               <a:rPr lang="de-DE" baseline="0" dirty="0" err="1" smtClean="0"/>
               <a:t>string</a:t>
             </a:r>
             <a:r>
               <a:rPr lang="de-DE" baseline="0" dirty="0" smtClean="0"/>
-              <a:t> wird als </a:t>
+              <a:t> </a:t>
+            </a:r>
+            <a:r>
+              <a:rPr lang="de-DE" baseline="0" dirty="0" smtClean="0"/>
+              <a:t>wird als </a:t>
             </a:r>
             <a:r>
               <a:rPr lang="de-DE" baseline="0" dirty="0" err="1" smtClean="0"/>
@@ -1384,7 +1423,17 @@
           <a:p>
             <a:r>
               <a:rPr lang="de-DE" dirty="0" smtClean="0"/>
-              <a:t>Aufbau in Knoten:</a:t>
+              <a:t>XML-Format</a:t>
+            </a:r>
+          </a:p>
+          <a:p>
+            <a:r>
+              <a:rPr lang="de-DE" dirty="0" smtClean="0"/>
+              <a:t>Aufbau </a:t>
+            </a:r>
+            <a:r>
+              <a:rPr lang="de-DE" dirty="0" smtClean="0"/>
+              <a:t>in Knoten:</a:t>
             </a:r>
           </a:p>
           <a:p>
@@ -1405,15 +1454,9 @@
             <a:pPr lvl="1"/>
             <a:r>
               <a:rPr lang="de-DE" dirty="0" smtClean="0"/>
-              <a:t>Attribute zu jedem Knoten</a:t>
-            </a:r>
-          </a:p>
-          <a:p>
-            <a:pPr lvl="1"/>
-            <a:r>
-              <a:rPr lang="de-DE" dirty="0" smtClean="0"/>
-              <a:t>Inhalt</a:t>
-            </a:r>
+              <a:t>Jeweils Attribute % Inhalt</a:t>
+            </a:r>
+            <a:endParaRPr lang="de-DE" dirty="0" smtClean="0"/>
           </a:p>
           <a:p>
             <a:pPr lvl="0"/>
@@ -1430,8 +1473,13 @@
             <a:pPr lvl="1"/>
             <a:r>
               <a:rPr lang="de-DE" baseline="0" dirty="0" smtClean="0"/>
-              <a:t>Mainuser-Knoten</a:t>
-            </a:r>
+              <a:t>Mainuser-Knoten + </a:t>
+            </a:r>
+            <a:r>
+              <a:rPr lang="de-DE" baseline="0" dirty="0" err="1" smtClean="0"/>
+              <a:t>username</a:t>
+            </a:r>
+            <a:endParaRPr lang="de-DE" baseline="0" dirty="0" smtClean="0"/>
           </a:p>
           <a:p>
             <a:pPr lvl="1"/>
@@ -1441,14 +1489,27 @@
             </a:r>
             <a:r>
               <a:rPr lang="de-DE" baseline="0" dirty="0" smtClean="0"/>
-              <a:t>-knoten für jeden Kontakt</a:t>
-            </a:r>
+              <a:t>-knoten für jeden </a:t>
+            </a:r>
+            <a:r>
+              <a:rPr lang="de-DE" baseline="0" dirty="0" smtClean="0"/>
+              <a:t>Kontakt + </a:t>
+            </a:r>
+            <a:r>
+              <a:rPr lang="de-DE" baseline="0" dirty="0" err="1" smtClean="0"/>
+              <a:t>username</a:t>
+            </a:r>
+            <a:endParaRPr lang="de-DE" baseline="0" dirty="0" smtClean="0"/>
           </a:p>
           <a:p>
             <a:pPr lvl="1"/>
             <a:r>
               <a:rPr lang="de-DE" baseline="0" dirty="0" smtClean="0"/>
-              <a:t>Message-Knoten für jede Nachricht</a:t>
+              <a:t>Message-Knoten für jede </a:t>
+            </a:r>
+            <a:r>
+              <a:rPr lang="de-DE" baseline="0" dirty="0" smtClean="0"/>
+              <a:t>Nachricht + Attribute und Text</a:t>
             </a:r>
             <a:endParaRPr lang="de-DE" dirty="0" smtClean="0"/>
           </a:p>
@@ -1968,7 +2029,7 @@
             </a:pPr>
             <a:fld id="{51D12988-2311-49D8-95BD-13FB23C5CA64}" type="datetime1">
               <a:rPr lang="en-US" smtClean="0"/>
-              <a:t>2/24/2019</a:t>
+              <a:t>2/25/2019</a:t>
             </a:fld>
             <a:endParaRPr lang="en-US" dirty="0"/>
           </a:p>
@@ -2444,7 +2505,7 @@
             </a:pPr>
             <a:fld id="{C6173087-D9B5-4785-BBC9-01EEDCC3B3A6}" type="datetime1">
               <a:rPr lang="en-US" smtClean="0"/>
-              <a:t>2/24/2019</a:t>
+              <a:t>2/25/2019</a:t>
             </a:fld>
             <a:endParaRPr lang="en-US" dirty="0"/>
           </a:p>
@@ -2709,7 +2770,7 @@
             </a:pPr>
             <a:fld id="{0EC657A2-6231-4373-BA49-2691312D4ED9}" type="datetime1">
               <a:rPr lang="en-US" smtClean="0"/>
-              <a:t>2/24/2019</a:t>
+              <a:t>2/25/2019</a:t>
             </a:fld>
             <a:endParaRPr lang="en-US" dirty="0"/>
           </a:p>
@@ -3088,7 +3149,7 @@
             </a:pPr>
             <a:fld id="{96D1B23C-4A04-4FDA-B701-A81515676BCF}" type="datetime1">
               <a:rPr lang="en-US" smtClean="0"/>
-              <a:t>2/24/2019</a:t>
+              <a:t>2/25/2019</a:t>
             </a:fld>
             <a:endParaRPr lang="en-US" dirty="0"/>
           </a:p>
@@ -3566,7 +3627,7 @@
             </a:pPr>
             <a:fld id="{F40C6B20-ED30-4844-9EE0-B50D6C230086}" type="datetime1">
               <a:rPr lang="en-US" smtClean="0"/>
-              <a:t>2/24/2019</a:t>
+              <a:t>2/25/2019</a:t>
             </a:fld>
             <a:endParaRPr lang="en-US" dirty="0"/>
           </a:p>
@@ -3956,7 +4017,7 @@
             </a:pPr>
             <a:fld id="{7113292A-4E5D-4503-B788-E5EC888AEC61}" type="datetime1">
               <a:rPr lang="en-US" smtClean="0"/>
-              <a:t>2/24/2019</a:t>
+              <a:t>2/25/2019</a:t>
             </a:fld>
             <a:endParaRPr lang="en-US" dirty="0"/>
           </a:p>
@@ -4336,7 +4397,7 @@
             </a:pPr>
             <a:fld id="{FC7A84B1-719A-41F6-9636-581FB198B99A}" type="datetime1">
               <a:rPr lang="en-US" smtClean="0"/>
-              <a:t>2/24/2019</a:t>
+              <a:t>2/25/2019</a:t>
             </a:fld>
             <a:endParaRPr lang="en-US" dirty="0"/>
           </a:p>
@@ -5095,7 +5156,7 @@
             </a:pPr>
             <a:fld id="{BC527D3D-2D64-4D88-99FC-40B663DB4670}" type="datetime1">
               <a:rPr lang="en-US" smtClean="0"/>
-              <a:t>2/24/2019</a:t>
+              <a:t>2/25/2019</a:t>
             </a:fld>
             <a:endParaRPr lang="en-US" dirty="0"/>
           </a:p>
@@ -5523,7 +5584,7 @@
             </a:pPr>
             <a:fld id="{D0403D1A-C80C-4B45-8BD8-DE6C25D355CF}" type="datetime1">
               <a:rPr lang="en-US" smtClean="0"/>
-              <a:t>2/24/2019</a:t>
+              <a:t>2/25/2019</a:t>
             </a:fld>
             <a:endParaRPr lang="en-US" dirty="0"/>
           </a:p>
@@ -6120,7 +6181,7 @@
             </a:pPr>
             <a:fld id="{9648A602-35A6-441D-A0B3-E2884A24774C}" type="datetime1">
               <a:rPr lang="en-US" smtClean="0"/>
-              <a:t>2/24/2019</a:t>
+              <a:t>2/25/2019</a:t>
             </a:fld>
             <a:endParaRPr lang="en-US" dirty="0"/>
           </a:p>
@@ -6485,7 +6546,7 @@
             </a:pPr>
             <a:fld id="{6BDD2724-8448-4064-B4C9-53857881707D}" type="datetime1">
               <a:rPr lang="en-US" smtClean="0"/>
-              <a:t>2/24/2019</a:t>
+              <a:t>2/25/2019</a:t>
             </a:fld>
             <a:endParaRPr lang="en-US" dirty="0"/>
           </a:p>
@@ -6892,7 +6953,7 @@
             </a:pPr>
             <a:fld id="{9B2FBB8C-CCDD-42DE-A980-6EEC5A0C6865}" type="datetime1">
               <a:rPr lang="en-US" smtClean="0"/>
-              <a:t>2/24/2019</a:t>
+              <a:t>2/25/2019</a:t>
             </a:fld>
             <a:endParaRPr lang="en-US" dirty="0"/>
           </a:p>
@@ -7316,7 +7377,7 @@
             </a:pPr>
             <a:fld id="{05906B65-21CE-4D9B-A27B-5F7EDF1BEAEF}" type="datetime1">
               <a:rPr lang="en-US" smtClean="0"/>
-              <a:t>2/24/2019</a:t>
+              <a:t>2/25/2019</a:t>
             </a:fld>
             <a:endParaRPr lang="en-US" dirty="0"/>
           </a:p>
@@ -7683,7 +7744,7 @@
             </a:pPr>
             <a:fld id="{4621BD7D-0AC7-4151-9E43-40352A2205CC}" type="datetime1">
               <a:rPr lang="en-US" smtClean="0"/>
-              <a:t>2/24/2019</a:t>
+              <a:t>2/25/2019</a:t>
             </a:fld>
             <a:endParaRPr lang="en-US" dirty="0"/>
           </a:p>
@@ -8065,7 +8126,7 @@
             </a:pPr>
             <a:fld id="{B95A1E6B-E1E7-4F21-9C57-195197A416C1}" type="datetime1">
               <a:rPr lang="en-US" smtClean="0"/>
-              <a:t>2/24/2019</a:t>
+              <a:t>2/25/2019</a:t>
             </a:fld>
             <a:endParaRPr lang="en-US" dirty="0"/>
           </a:p>
@@ -8349,7 +8410,7 @@
             </a:pPr>
             <a:fld id="{6C6B24F3-52F9-45E0-A431-9D1D5B561384}" type="datetime1">
               <a:rPr lang="en-US" smtClean="0"/>
-              <a:t>2/24/2019</a:t>
+              <a:t>2/25/2019</a:t>
             </a:fld>
             <a:endParaRPr lang="en-US" dirty="0"/>
           </a:p>
@@ -8734,7 +8795,7 @@
             </a:pPr>
             <a:fld id="{3F84D486-F2F9-4E36-A44A-BDCC0D7298B8}" type="datetime1">
               <a:rPr lang="en-US" smtClean="0"/>
-              <a:t>2/24/2019</a:t>
+              <a:t>2/25/2019</a:t>
             </a:fld>
             <a:endParaRPr lang="en-US" dirty="0"/>
           </a:p>
@@ -9316,7 +9377,7 @@
             </a:pPr>
             <a:fld id="{BA9554C4-4AAE-426A-8A12-9CE57DB01E8D}" type="datetime1">
               <a:rPr lang="en-US" smtClean="0"/>
-              <a:t>2/24/2019</a:t>
+              <a:t>2/25/2019</a:t>
             </a:fld>
             <a:endParaRPr lang="en-US" dirty="0"/>
           </a:p>
@@ -9799,7 +9860,7 @@
             </a:pPr>
             <a:fld id="{2D2DC78E-E20A-4551-8693-68CCA20358B1}" type="datetime1">
               <a:rPr lang="en-US" smtClean="0"/>
-              <a:t>2/24/2019</a:t>
+              <a:t>2/25/2019</a:t>
             </a:fld>
             <a:endParaRPr lang="en-US" dirty="0"/>
           </a:p>
@@ -10265,7 +10326,7 @@
             </a:pPr>
             <a:fld id="{8D66A070-9A12-4EBA-B3F2-544BBBBDA54F}" type="datetime1">
               <a:rPr lang="en-US" smtClean="0"/>
-              <a:t>2/24/2019</a:t>
+              <a:t>2/25/2019</a:t>
             </a:fld>
             <a:endParaRPr lang="en-US" dirty="0"/>
           </a:p>
@@ -11128,7 +11189,7 @@
             </a:pPr>
             <a:fld id="{51D12988-2311-49D8-95BD-13FB23C5CA64}" type="datetime1">
               <a:rPr lang="en-US" smtClean="0"/>
-              <a:t>2/24/2019</a:t>
+              <a:t>2/25/2019</a:t>
             </a:fld>
             <a:endParaRPr lang="en-US" dirty="0"/>
           </a:p>
@@ -11171,11 +11232,7 @@
             </a:r>
             <a:r>
               <a:rPr lang="en-US" dirty="0" smtClean="0"/>
-              <a:t> | </a:t>
-            </a:r>
-            <a:r>
-              <a:rPr lang="en-US" dirty="0" smtClean="0"/>
-              <a:t>DHBW Karlsruhe; Jacqueline Kaefer &amp; Luca Katzenberger</a:t>
+              <a:t> | DHBW Karlsruhe; Jacqueline Kaefer &amp; Luca Katzenberger</a:t>
             </a:r>
             <a:endParaRPr lang="en-US" dirty="0"/>
           </a:p>
@@ -12034,7 +12091,7 @@
             </a:pPr>
             <a:fld id="{51D12988-2311-49D8-95BD-13FB23C5CA64}" type="datetime1">
               <a:rPr lang="en-US" smtClean="0"/>
-              <a:t>2/24/2019</a:t>
+              <a:t>2/25/2019</a:t>
             </a:fld>
             <a:endParaRPr lang="en-US" dirty="0"/>
           </a:p>
@@ -12077,11 +12134,7 @@
             </a:r>
             <a:r>
               <a:rPr lang="en-US" dirty="0" smtClean="0"/>
-              <a:t> | </a:t>
-            </a:r>
-            <a:r>
-              <a:rPr lang="en-US" dirty="0" smtClean="0"/>
-              <a:t>DHBW Karlsruhe; Jacqueline Kaefer &amp; Luca Katzenberger</a:t>
+              <a:t> | DHBW Karlsruhe; Jacqueline Kaefer &amp; Luca Katzenberger</a:t>
             </a:r>
             <a:endParaRPr lang="en-US" dirty="0"/>
           </a:p>
@@ -12234,7 +12287,7 @@
         </p:blipFill>
         <p:spPr>
           <a:xfrm>
-            <a:off x="4245620" y="1819297"/>
+            <a:off x="4297846" y="1819297"/>
             <a:ext cx="591934" cy="591934"/>
           </a:xfrm>
           <a:prstGeom prst="rect">
@@ -12264,7 +12317,7 @@
         </p:blipFill>
         <p:spPr>
           <a:xfrm>
-            <a:off x="4661986" y="2760945"/>
+            <a:off x="4620119" y="2687932"/>
             <a:ext cx="591881" cy="591881"/>
           </a:xfrm>
           <a:prstGeom prst="rect">
@@ -12324,7 +12377,7 @@
         </p:blipFill>
         <p:spPr>
           <a:xfrm>
-            <a:off x="5711840" y="2813010"/>
+            <a:off x="5624264" y="2817906"/>
             <a:ext cx="618955" cy="618955"/>
           </a:xfrm>
           <a:prstGeom prst="rect">
@@ -12354,7 +12407,7 @@
         </p:blipFill>
         <p:spPr>
           <a:xfrm>
-            <a:off x="5253867" y="1247934"/>
+            <a:off x="5329605" y="1247934"/>
             <a:ext cx="571363" cy="571363"/>
           </a:xfrm>
           <a:prstGeom prst="rect">
@@ -12384,7 +12437,7 @@
         </p:blipFill>
         <p:spPr>
           <a:xfrm>
-            <a:off x="6163146" y="1294462"/>
+            <a:off x="6375694" y="1371268"/>
             <a:ext cx="568580" cy="568580"/>
           </a:xfrm>
           <a:prstGeom prst="rect">
@@ -12400,8 +12453,8 @@
         </p:nvSpPr>
         <p:spPr>
           <a:xfrm>
-            <a:off x="5141302" y="2122518"/>
-            <a:ext cx="1261228" cy="711007"/>
+            <a:off x="5036798" y="2092417"/>
+            <a:ext cx="1727585" cy="586342"/>
           </a:xfrm>
           <a:prstGeom prst="rect">
             <a:avLst/>
@@ -12414,7 +12467,7 @@
           </a:bodyPr>
           <a:lstStyle/>
           <a:p>
-            <a:pPr algn="l" rtl="0" eaLnBrk="1" fontAlgn="auto" hangingPunct="1">
+            <a:pPr algn="ctr" rtl="0" eaLnBrk="1" fontAlgn="auto" hangingPunct="1">
               <a:lnSpc>
                 <a:spcPct val="100000"/>
               </a:lnSpc>
@@ -12432,7 +12485,16 @@
                 </a:solidFill>
                 <a:latin typeface="Arial" panose="020B0604020202020204" pitchFamily="34" charset="0"/>
               </a:rPr>
-              <a:t>Computer im Netzwerk</a:t>
+              <a:t>Andere Computer </a:t>
+            </a:r>
+            <a:r>
+              <a:rPr lang="de-DE" sz="1600" b="0" i="0" u="none" baseline="0" dirty="0" smtClean="0">
+                <a:solidFill>
+                  <a:srgbClr val="000000"/>
+                </a:solidFill>
+                <a:latin typeface="Arial" panose="020B0604020202020204" pitchFamily="34" charset="0"/>
+              </a:rPr>
+              <a:t>im Netzwerk</a:t>
             </a:r>
           </a:p>
         </p:txBody>
@@ -12459,7 +12521,7 @@
         </p:blipFill>
         <p:spPr>
           <a:xfrm>
-            <a:off x="6571487" y="2307323"/>
+            <a:off x="6659984" y="2494513"/>
             <a:ext cx="562372" cy="562372"/>
           </a:xfrm>
           <a:prstGeom prst="rect">
@@ -12475,8 +12537,8 @@
         </p:nvSpPr>
         <p:spPr>
           <a:xfrm>
-            <a:off x="5253867" y="5322423"/>
-            <a:ext cx="1076928" cy="407817"/>
+            <a:off x="5538834" y="5303299"/>
+            <a:ext cx="571363" cy="316378"/>
           </a:xfrm>
           <a:prstGeom prst="rect">
             <a:avLst/>
@@ -12520,8 +12582,8 @@
         </p:nvSpPr>
         <p:spPr>
           <a:xfrm>
-            <a:off x="10143354" y="5322422"/>
-            <a:ext cx="1076928" cy="407817"/>
+            <a:off x="10049123" y="5333309"/>
+            <a:ext cx="1003617" cy="316378"/>
           </a:xfrm>
           <a:prstGeom prst="rect">
             <a:avLst/>
@@ -12565,8 +12627,8 @@
         </p:nvSpPr>
         <p:spPr>
           <a:xfrm>
-            <a:off x="522981" y="5375195"/>
-            <a:ext cx="1076928" cy="407817"/>
+            <a:off x="784237" y="5364310"/>
+            <a:ext cx="587362" cy="274492"/>
           </a:xfrm>
           <a:prstGeom prst="rect">
             <a:avLst/>
@@ -12610,7 +12672,7 @@
         </p:nvSpPr>
         <p:spPr bwMode="auto">
           <a:xfrm rot="16200000">
-            <a:off x="5311791" y="3756956"/>
+            <a:off x="5322107" y="3732984"/>
             <a:ext cx="939511" cy="479540"/>
           </a:xfrm>
           <a:prstGeom prst="rightArrow">
@@ -12811,8 +12873,8 @@
         </p:nvSpPr>
         <p:spPr bwMode="auto">
           <a:xfrm rot="10800000">
-            <a:off x="5034262" y="5541937"/>
-            <a:ext cx="1355155" cy="757851"/>
+            <a:off x="5253867" y="5575118"/>
+            <a:ext cx="976949" cy="673334"/>
           </a:xfrm>
           <a:prstGeom prst="uturnArrow">
             <a:avLst>
@@ -12933,7 +12995,7 @@
             </a:pPr>
             <a:fld id="{51D12988-2311-49D8-95BD-13FB23C5CA64}" type="datetime1">
               <a:rPr lang="en-US" smtClean="0"/>
-              <a:t>2/24/2019</a:t>
+              <a:t>2/25/2019</a:t>
             </a:fld>
             <a:endParaRPr lang="en-US" dirty="0"/>
           </a:p>
@@ -12976,11 +13038,7 @@
             </a:r>
             <a:r>
               <a:rPr lang="en-US" dirty="0" smtClean="0"/>
-              <a:t> | </a:t>
-            </a:r>
-            <a:r>
-              <a:rPr lang="en-US" dirty="0" smtClean="0"/>
-              <a:t>DHBW Karlsruhe; Jacqueline Kaefer &amp; Luca Katzenberger</a:t>
+              <a:t> | DHBW Karlsruhe; Jacqueline Kaefer &amp; Luca Katzenberger</a:t>
             </a:r>
             <a:endParaRPr lang="en-US" dirty="0"/>
           </a:p>
@@ -13132,7 +13190,7 @@
             </a:pPr>
             <a:fld id="{51D12988-2311-49D8-95BD-13FB23C5CA64}" type="datetime1">
               <a:rPr lang="en-US" smtClean="0"/>
-              <a:t>2/24/2019</a:t>
+              <a:t>2/25/2019</a:t>
             </a:fld>
             <a:endParaRPr lang="en-US" dirty="0"/>
           </a:p>
@@ -13175,11 +13233,7 @@
             </a:r>
             <a:r>
               <a:rPr lang="en-US" dirty="0" smtClean="0"/>
-              <a:t> | </a:t>
-            </a:r>
-            <a:r>
-              <a:rPr lang="en-US" dirty="0" smtClean="0"/>
-              <a:t>DHBW Karlsruhe; Jacqueline Kaefer &amp; Luca Katzenberger</a:t>
+              <a:t> | DHBW Karlsruhe; Jacqueline Kaefer &amp; Luca Katzenberger</a:t>
             </a:r>
             <a:endParaRPr lang="en-US" dirty="0"/>
           </a:p>
@@ -13307,7 +13361,7 @@
             </a:pPr>
             <a:fld id="{51D12988-2311-49D8-95BD-13FB23C5CA64}" type="datetime1">
               <a:rPr lang="en-US" smtClean="0"/>
-              <a:t>2/24/2019</a:t>
+              <a:t>2/25/2019</a:t>
             </a:fld>
             <a:endParaRPr lang="en-US" dirty="0"/>
           </a:p>
@@ -13350,7 +13404,11 @@
             </a:r>
             <a:r>
               <a:rPr lang="en-US" dirty="0" smtClean="0"/>
-              <a:t>| DHBW Karlsruhe; Jacqueline Kaefer &amp; Luca Katzenberger</a:t>
+              <a:t> | </a:t>
+            </a:r>
+            <a:r>
+              <a:rPr lang="en-US" dirty="0" smtClean="0"/>
+              <a:t>DHBW Karlsruhe; Jacqueline Kaefer &amp; Luca Katzenberger</a:t>
             </a:r>
             <a:endParaRPr lang="en-US" dirty="0"/>
           </a:p>
@@ -13524,7 +13582,7 @@
             </a:pPr>
             <a:fld id="{51D12988-2311-49D8-95BD-13FB23C5CA64}" type="datetime1">
               <a:rPr lang="en-US" smtClean="0"/>
-              <a:t>2/24/2019</a:t>
+              <a:t>2/25/2019</a:t>
             </a:fld>
             <a:endParaRPr lang="en-US" dirty="0"/>
           </a:p>

--- a/Dokumentation/Präsentation.pptx
+++ b/Dokumentation/Präsentation.pptx
@@ -5,10 +5,10 @@
     <p:sldMasterId id="2147483694" r:id="rId1"/>
   </p:sldMasterIdLst>
   <p:notesMasterIdLst>
-    <p:notesMasterId r:id="rId9"/>
+    <p:notesMasterId r:id="rId10"/>
   </p:notesMasterIdLst>
   <p:handoutMasterIdLst>
-    <p:handoutMasterId r:id="rId10"/>
+    <p:handoutMasterId r:id="rId11"/>
   </p:handoutMasterIdLst>
   <p:sldIdLst>
     <p:sldId id="257" r:id="rId2"/>
@@ -16,8 +16,9 @@
     <p:sldId id="259" r:id="rId4"/>
     <p:sldId id="262" r:id="rId5"/>
     <p:sldId id="258" r:id="rId6"/>
-    <p:sldId id="260" r:id="rId7"/>
-    <p:sldId id="263" r:id="rId8"/>
+    <p:sldId id="264" r:id="rId7"/>
+    <p:sldId id="260" r:id="rId8"/>
+    <p:sldId id="263" r:id="rId9"/>
   </p:sldIdLst>
   <p:sldSz cx="12195175" cy="6859588"/>
   <p:notesSz cx="6797675" cy="9928225"/>
@@ -772,11 +773,23 @@
           <a:p>
             <a:r>
               <a:rPr lang="de-DE" dirty="0" smtClean="0"/>
-              <a:t>Hauptfunktion: Nachrichten</a:t>
+              <a:t>Hauptfunktion</a:t>
+            </a:r>
+            <a:r>
+              <a:rPr lang="de-DE" smtClean="0"/>
+              <a:t>: </a:t>
+            </a:r>
+            <a:r>
+              <a:rPr lang="de-DE" smtClean="0"/>
+              <a:t>Kurznachrichten</a:t>
+            </a:r>
+            <a:r>
+              <a:rPr lang="de-DE" baseline="0" smtClean="0"/>
+              <a:t> </a:t>
             </a:r>
             <a:r>
               <a:rPr lang="de-DE" baseline="0" dirty="0" smtClean="0"/>
-              <a:t> versenden</a:t>
+              <a:t>versenden</a:t>
             </a:r>
           </a:p>
           <a:p>
@@ -790,22 +803,14 @@
             <a:pPr lvl="1"/>
             <a:r>
               <a:rPr lang="de-DE" baseline="0" dirty="0" smtClean="0"/>
-              <a:t>Mehrere </a:t>
-            </a:r>
+              <a:t>Mehrere Chats parallel</a:t>
+            </a:r>
+          </a:p>
+          <a:p>
+            <a:pPr lvl="1"/>
             <a:r>
               <a:rPr lang="de-DE" baseline="0" dirty="0" smtClean="0"/>
-              <a:t>Chats parallel</a:t>
-            </a:r>
-          </a:p>
-          <a:p>
-            <a:pPr lvl="1"/>
-            <a:r>
-              <a:rPr lang="de-DE" baseline="0" dirty="0" smtClean="0"/>
-              <a:t>Nachrichten </a:t>
-            </a:r>
-            <a:r>
-              <a:rPr lang="de-DE" baseline="0" dirty="0" smtClean="0"/>
-              <a:t>speichern &amp; laden</a:t>
+              <a:t>Nachrichten speichern &amp; laden</a:t>
             </a:r>
             <a:endParaRPr lang="de-DE" dirty="0"/>
           </a:p>
@@ -900,11 +905,7 @@
           <a:p>
             <a:r>
               <a:rPr lang="de-DE" baseline="0" dirty="0" smtClean="0"/>
-              <a:t>Erklären der einzelnen </a:t>
-            </a:r>
-            <a:r>
-              <a:rPr lang="de-DE" baseline="0" dirty="0" smtClean="0"/>
-              <a:t>Blöcke</a:t>
+              <a:t>Erklären der einzelnen Blöcke</a:t>
             </a:r>
           </a:p>
           <a:p>
@@ -917,7 +918,6 @@
               <a:rPr lang="de-DE" baseline="0" dirty="0" smtClean="0"/>
               <a:t>: für Erweiterungen vorgesehen, Bsp: Antwort des Empfängers</a:t>
             </a:r>
-            <a:endParaRPr lang="de-DE" baseline="0" dirty="0" smtClean="0"/>
           </a:p>
           <a:p>
             <a:r>
@@ -960,15 +960,7 @@
             </a:r>
             <a:r>
               <a:rPr lang="de-DE" baseline="0" dirty="0" smtClean="0"/>
-              <a:t> </a:t>
-            </a:r>
-            <a:r>
-              <a:rPr lang="de-DE" baseline="0" dirty="0" smtClean="0"/>
-              <a:t>aneinander </a:t>
-            </a:r>
-            <a:r>
-              <a:rPr lang="de-DE" baseline="0" dirty="0" smtClean="0"/>
-              <a:t>gehängt</a:t>
+              <a:t> aneinander gehängt</a:t>
             </a:r>
           </a:p>
           <a:p>
@@ -979,11 +971,7 @@
             </a:r>
             <a:r>
               <a:rPr lang="de-DE" baseline="0" dirty="0" smtClean="0"/>
-              <a:t> </a:t>
-            </a:r>
-            <a:r>
-              <a:rPr lang="de-DE" baseline="0" dirty="0" smtClean="0"/>
-              <a:t>wird als </a:t>
+              <a:t> wird als </a:t>
             </a:r>
             <a:r>
               <a:rPr lang="de-DE" baseline="0" dirty="0" err="1" smtClean="0"/>
@@ -1429,11 +1417,7 @@
           <a:p>
             <a:r>
               <a:rPr lang="de-DE" dirty="0" smtClean="0"/>
-              <a:t>Aufbau </a:t>
-            </a:r>
-            <a:r>
-              <a:rPr lang="de-DE" dirty="0" smtClean="0"/>
-              <a:t>in Knoten:</a:t>
+              <a:t>Aufbau in Knoten:</a:t>
             </a:r>
           </a:p>
           <a:p>
@@ -1456,7 +1440,6 @@
               <a:rPr lang="de-DE" dirty="0" smtClean="0"/>
               <a:t>Jeweils Attribute % Inhalt</a:t>
             </a:r>
-            <a:endParaRPr lang="de-DE" dirty="0" smtClean="0"/>
           </a:p>
           <a:p>
             <a:pPr lvl="0"/>
@@ -1489,11 +1472,7 @@
             </a:r>
             <a:r>
               <a:rPr lang="de-DE" baseline="0" dirty="0" smtClean="0"/>
-              <a:t>-knoten für jeden </a:t>
-            </a:r>
-            <a:r>
-              <a:rPr lang="de-DE" baseline="0" dirty="0" smtClean="0"/>
-              <a:t>Kontakt + </a:t>
+              <a:t>-knoten für jeden Kontakt + </a:t>
             </a:r>
             <a:r>
               <a:rPr lang="de-DE" baseline="0" dirty="0" err="1" smtClean="0"/>
@@ -1505,11 +1484,7 @@
             <a:pPr lvl="1"/>
             <a:r>
               <a:rPr lang="de-DE" baseline="0" dirty="0" smtClean="0"/>
-              <a:t>Message-Knoten für jede </a:t>
-            </a:r>
-            <a:r>
-              <a:rPr lang="de-DE" baseline="0" dirty="0" smtClean="0"/>
-              <a:t>Nachricht + Attribute und Text</a:t>
+              <a:t>Message-Knoten für jede Nachricht + Attribute und Text</a:t>
             </a:r>
             <a:endParaRPr lang="de-DE" dirty="0" smtClean="0"/>
           </a:p>
@@ -1615,6 +1590,120 @@
           <a:bodyPr/>
           <a:lstStyle/>
           <a:p>
+            <a:r>
+              <a:rPr lang="de-DE" dirty="0" smtClean="0"/>
+              <a:t>Hauptfunktion: Nachrichten</a:t>
+            </a:r>
+            <a:r>
+              <a:rPr lang="de-DE" baseline="0" dirty="0" smtClean="0"/>
+              <a:t> versenden</a:t>
+            </a:r>
+          </a:p>
+          <a:p>
+            <a:pPr lvl="0"/>
+            <a:r>
+              <a:rPr lang="de-DE" baseline="0" dirty="0" smtClean="0"/>
+              <a:t>Weitere Anforderungen:</a:t>
+            </a:r>
+          </a:p>
+          <a:p>
+            <a:pPr lvl="1"/>
+            <a:r>
+              <a:rPr lang="de-DE" baseline="0" dirty="0" smtClean="0"/>
+              <a:t>Mehrere Chats parallel</a:t>
+            </a:r>
+          </a:p>
+          <a:p>
+            <a:pPr lvl="1"/>
+            <a:r>
+              <a:rPr lang="de-DE" baseline="0" dirty="0" smtClean="0"/>
+              <a:t>Nachrichten speichern &amp; laden</a:t>
+            </a:r>
+            <a:endParaRPr lang="de-DE" dirty="0"/>
+          </a:p>
+        </p:txBody>
+      </p:sp>
+      <p:sp>
+        <p:nvSpPr>
+          <p:cNvPr id="4" name="Foliennummernplatzhalter 3"/>
+          <p:cNvSpPr>
+            <a:spLocks noGrp="1"/>
+          </p:cNvSpPr>
+          <p:nvPr>
+            <p:ph type="sldNum" sz="quarter" idx="10"/>
+          </p:nvPr>
+        </p:nvSpPr>
+        <p:spPr/>
+        <p:txBody>
+          <a:bodyPr/>
+          <a:lstStyle/>
+          <a:p>
+            <a:fld id="{4DD3E2EB-6111-4DB9-9259-790D401816A9}" type="slidenum">
+              <a:rPr lang="de-DE" smtClean="0"/>
+              <a:pPr/>
+              <a:t>6</a:t>
+            </a:fld>
+            <a:endParaRPr lang="de-DE" dirty="0"/>
+          </a:p>
+        </p:txBody>
+      </p:sp>
+    </p:spTree>
+    <p:extLst>
+      <p:ext uri="{BB962C8B-B14F-4D97-AF65-F5344CB8AC3E}">
+        <p14:creationId xmlns:p14="http://schemas.microsoft.com/office/powerpoint/2010/main" val="23295978"/>
+      </p:ext>
+    </p:extLst>
+  </p:cSld>
+  <p:clrMapOvr>
+    <a:masterClrMapping/>
+  </p:clrMapOvr>
+</p:notes>
+</file>
+
+<file path=ppt/notesSlides/notesSlide7.xml><?xml version="1.0" encoding="utf-8"?>
+<p:notes xmlns:a="http://schemas.openxmlformats.org/drawingml/2006/main" xmlns:r="http://schemas.openxmlformats.org/officeDocument/2006/relationships" xmlns:p="http://schemas.openxmlformats.org/presentationml/2006/main">
+  <p:cSld>
+    <p:spTree>
+      <p:nvGrpSpPr>
+        <p:cNvPr id="1" name=""/>
+        <p:cNvGrpSpPr/>
+        <p:nvPr/>
+      </p:nvGrpSpPr>
+      <p:grpSpPr>
+        <a:xfrm>
+          <a:off x="0" y="0"/>
+          <a:ext cx="0" cy="0"/>
+          <a:chOff x="0" y="0"/>
+          <a:chExt cx="0" cy="0"/>
+        </a:xfrm>
+      </p:grpSpPr>
+      <p:sp>
+        <p:nvSpPr>
+          <p:cNvPr id="2" name="Folienbildplatzhalter 1"/>
+          <p:cNvSpPr>
+            <a:spLocks noGrp="1" noRot="1" noChangeAspect="1"/>
+          </p:cNvSpPr>
+          <p:nvPr>
+            <p:ph type="sldImg"/>
+          </p:nvPr>
+        </p:nvSpPr>
+        <p:spPr/>
+      </p:sp>
+      <p:sp>
+        <p:nvSpPr>
+          <p:cNvPr id="3" name="Notizenplatzhalter 2"/>
+          <p:cNvSpPr>
+            <a:spLocks noGrp="1"/>
+          </p:cNvSpPr>
+          <p:nvPr>
+            <p:ph type="body" idx="1"/>
+          </p:nvPr>
+        </p:nvSpPr>
+        <p:spPr/>
+        <p:txBody>
+          <a:bodyPr/>
+          <a:lstStyle/>
+          <a:p>
             <a:pPr marL="171450" marR="0" lvl="0" indent="-171450" algn="l" defTabSz="914400" rtl="0" eaLnBrk="1" fontAlgn="auto" latinLnBrk="0" hangingPunct="1">
               <a:lnSpc>
                 <a:spcPct val="100000"/>
@@ -1664,7 +1753,7 @@
             <a:fld id="{4DD3E2EB-6111-4DB9-9259-790D401816A9}" type="slidenum">
               <a:rPr lang="de-DE" smtClean="0"/>
               <a:pPr/>
-              <a:t>7</a:t>
+              <a:t>8</a:t>
             </a:fld>
             <a:endParaRPr lang="de-DE" dirty="0"/>
           </a:p>
@@ -1904,8 +1993,8 @@
               <a:defRPr/>
             </a:pPr>
             <a:r>
-              <a:rPr lang="en-US" dirty="0" smtClean="0"/>
-              <a:t>Title of presentation | Department, name</a:t>
+              <a:rPr lang="en-US" smtClean="0"/>
+              <a:t>Informatikprojekt Chatprogramm | DHBW Karlsruhe; Jacqueline Kaefer &amp; Luca Katzenberger</a:t>
             </a:r>
             <a:endParaRPr lang="en-US" dirty="0"/>
           </a:p>
@@ -2027,7 +2116,7 @@
                 <a:tab pos="9701509" algn="l"/>
               </a:tabLst>
             </a:pPr>
-            <a:fld id="{51D12988-2311-49D8-95BD-13FB23C5CA64}" type="datetime1">
+            <a:fld id="{774A42C7-66FC-47A7-A547-4027B1827CF9}" type="datetime1">
               <a:rPr lang="en-US" smtClean="0"/>
               <a:t>2/25/2019</a:t>
             </a:fld>
@@ -2380,8 +2469,8 @@
               <a:defRPr/>
             </a:pPr>
             <a:r>
-              <a:rPr lang="en-US" dirty="0" smtClean="0"/>
-              <a:t>Title of presentation | Department, name</a:t>
+              <a:rPr lang="en-US" smtClean="0"/>
+              <a:t>Informatikprojekt Chatprogramm | DHBW Karlsruhe; Jacqueline Kaefer &amp; Luca Katzenberger</a:t>
             </a:r>
             <a:endParaRPr lang="en-US" dirty="0"/>
           </a:p>
@@ -2503,7 +2592,7 @@
                 <a:tab pos="9701509" algn="l"/>
               </a:tabLst>
             </a:pPr>
-            <a:fld id="{C6173087-D9B5-4785-BBC9-01EEDCC3B3A6}" type="datetime1">
+            <a:fld id="{07172E7B-477C-4869-AE29-A6FF87E214F8}" type="datetime1">
               <a:rPr lang="en-US" smtClean="0"/>
               <a:t>2/25/2019</a:t>
             </a:fld>
@@ -2641,8 +2730,8 @@
               <a:defRPr/>
             </a:pPr>
             <a:r>
-              <a:rPr lang="en-US" dirty="0" smtClean="0"/>
-              <a:t>Title of presentation | Department, name</a:t>
+              <a:rPr lang="en-US" smtClean="0"/>
+              <a:t>Informatikprojekt Chatprogramm | DHBW Karlsruhe; Jacqueline Kaefer &amp; Luca Katzenberger</a:t>
             </a:r>
             <a:endParaRPr lang="en-US" dirty="0"/>
           </a:p>
@@ -2768,7 +2857,7 @@
                 <a:tab pos="9701509" algn="l"/>
               </a:tabLst>
             </a:pPr>
-            <a:fld id="{0EC657A2-6231-4373-BA49-2691312D4ED9}" type="datetime1">
+            <a:fld id="{9461E45F-51CB-4D58-9E52-697E11F5AA4D}" type="datetime1">
               <a:rPr lang="en-US" smtClean="0"/>
               <a:t>2/25/2019</a:t>
             </a:fld>
@@ -3025,7 +3114,7 @@
             </a:pPr>
             <a:r>
               <a:rPr lang="en-US" smtClean="0"/>
-              <a:t>Title of presentation | Department, name</a:t>
+              <a:t>Informatikprojekt Chatprogramm | DHBW Karlsruhe; Jacqueline Kaefer &amp; Luca Katzenberger</a:t>
             </a:r>
             <a:endParaRPr lang="en-US" dirty="0"/>
           </a:p>
@@ -3147,7 +3236,7 @@
                 <a:tab pos="9701509" algn="l"/>
               </a:tabLst>
             </a:pPr>
-            <a:fld id="{96D1B23C-4A04-4FDA-B701-A81515676BCF}" type="datetime1">
+            <a:fld id="{2FE86AA3-6380-4010-896A-BED3EF588030}" type="datetime1">
               <a:rPr lang="en-US" smtClean="0"/>
               <a:t>2/25/2019</a:t>
             </a:fld>
@@ -3503,7 +3592,7 @@
             </a:pPr>
             <a:r>
               <a:rPr lang="en-US" smtClean="0"/>
-              <a:t>Title of presentation | Department, name</a:t>
+              <a:t>Informatikprojekt Chatprogramm | DHBW Karlsruhe; Jacqueline Kaefer &amp; Luca Katzenberger</a:t>
             </a:r>
             <a:endParaRPr lang="en-US" dirty="0"/>
           </a:p>
@@ -3625,7 +3714,7 @@
                 <a:tab pos="9701509" algn="l"/>
               </a:tabLst>
             </a:pPr>
-            <a:fld id="{F40C6B20-ED30-4844-9EE0-B50D6C230086}" type="datetime1">
+            <a:fld id="{7681363F-8E0E-4E13-90FD-51FC17AFE4D1}" type="datetime1">
               <a:rPr lang="en-US" smtClean="0"/>
               <a:t>2/25/2019</a:t>
             </a:fld>
@@ -3892,8 +3981,8 @@
               <a:defRPr/>
             </a:pPr>
             <a:r>
-              <a:rPr lang="en-US" dirty="0" smtClean="0"/>
-              <a:t>Title of presentation | Department, name</a:t>
+              <a:rPr lang="en-US" smtClean="0"/>
+              <a:t>Informatikprojekt Chatprogramm | DHBW Karlsruhe; Jacqueline Kaefer &amp; Luca Katzenberger</a:t>
             </a:r>
             <a:endParaRPr lang="en-US" dirty="0"/>
           </a:p>
@@ -4015,7 +4104,7 @@
                 <a:tab pos="9701509" algn="l"/>
               </a:tabLst>
             </a:pPr>
-            <a:fld id="{7113292A-4E5D-4503-B788-E5EC888AEC61}" type="datetime1">
+            <a:fld id="{17A2053D-B7B7-42CC-91F3-25AD211F5B71}" type="datetime1">
               <a:rPr lang="en-US" smtClean="0"/>
               <a:t>2/25/2019</a:t>
             </a:fld>
@@ -4273,7 +4362,7 @@
             </a:pPr>
             <a:r>
               <a:rPr lang="en-US" smtClean="0"/>
-              <a:t>Title of presentation | Department, name</a:t>
+              <a:t>Informatikprojekt Chatprogramm | DHBW Karlsruhe; Jacqueline Kaefer &amp; Luca Katzenberger</a:t>
             </a:r>
             <a:endParaRPr lang="en-US" dirty="0"/>
           </a:p>
@@ -4395,7 +4484,7 @@
                 <a:tab pos="9701509" algn="l"/>
               </a:tabLst>
             </a:pPr>
-            <a:fld id="{FC7A84B1-719A-41F6-9636-581FB198B99A}" type="datetime1">
+            <a:fld id="{A6AA01B8-A674-4883-95F2-E14D80DC0758}" type="datetime1">
               <a:rPr lang="en-US" smtClean="0"/>
               <a:t>2/25/2019</a:t>
             </a:fld>
@@ -5032,7 +5121,7 @@
             </a:pPr>
             <a:r>
               <a:rPr lang="en-US" smtClean="0"/>
-              <a:t>Title of presentation | Department, name</a:t>
+              <a:t>Informatikprojekt Chatprogramm | DHBW Karlsruhe; Jacqueline Kaefer &amp; Luca Katzenberger</a:t>
             </a:r>
             <a:endParaRPr lang="en-US" dirty="0"/>
           </a:p>
@@ -5154,7 +5243,7 @@
                 <a:tab pos="9701509" algn="l"/>
               </a:tabLst>
             </a:pPr>
-            <a:fld id="{BC527D3D-2D64-4D88-99FC-40B663DB4670}" type="datetime1">
+            <a:fld id="{129F28ED-0968-44AF-8946-F5CA67580B44}" type="datetime1">
               <a:rPr lang="en-US" smtClean="0"/>
               <a:t>2/25/2019</a:t>
             </a:fld>
@@ -5460,7 +5549,7 @@
             </a:pPr>
             <a:r>
               <a:rPr lang="en-US" smtClean="0"/>
-              <a:t>Title of presentation | Department, name</a:t>
+              <a:t>Informatikprojekt Chatprogramm | DHBW Karlsruhe; Jacqueline Kaefer &amp; Luca Katzenberger</a:t>
             </a:r>
             <a:endParaRPr lang="en-US" dirty="0"/>
           </a:p>
@@ -5582,7 +5671,7 @@
                 <a:tab pos="9701509" algn="l"/>
               </a:tabLst>
             </a:pPr>
-            <a:fld id="{D0403D1A-C80C-4B45-8BD8-DE6C25D355CF}" type="datetime1">
+            <a:fld id="{61B8E9D8-99C6-4E2F-8372-4C00E70307EE}" type="datetime1">
               <a:rPr lang="en-US" smtClean="0"/>
               <a:t>2/25/2019</a:t>
             </a:fld>
@@ -6056,8 +6145,8 @@
               <a:defRPr/>
             </a:pPr>
             <a:r>
-              <a:rPr lang="en-US" dirty="0" smtClean="0"/>
-              <a:t>Title of presentation | Department, name</a:t>
+              <a:rPr lang="en-US" smtClean="0"/>
+              <a:t>Informatikprojekt Chatprogramm | DHBW Karlsruhe; Jacqueline Kaefer &amp; Luca Katzenberger</a:t>
             </a:r>
             <a:endParaRPr lang="en-US" dirty="0"/>
           </a:p>
@@ -6179,7 +6268,7 @@
                 <a:tab pos="9701509" algn="l"/>
               </a:tabLst>
             </a:pPr>
-            <a:fld id="{9648A602-35A6-441D-A0B3-E2884A24774C}" type="datetime1">
+            <a:fld id="{CBBB9EA9-CA27-494E-8582-2CDD61122439}" type="datetime1">
               <a:rPr lang="en-US" smtClean="0"/>
               <a:t>2/25/2019</a:t>
             </a:fld>
@@ -6421,8 +6510,8 @@
               <a:defRPr/>
             </a:pPr>
             <a:r>
-              <a:rPr lang="en-US" dirty="0" smtClean="0"/>
-              <a:t>Title of presentation | Department, name</a:t>
+              <a:rPr lang="en-US" smtClean="0"/>
+              <a:t>Informatikprojekt Chatprogramm | DHBW Karlsruhe; Jacqueline Kaefer &amp; Luca Katzenberger</a:t>
             </a:r>
             <a:endParaRPr lang="en-US" dirty="0"/>
           </a:p>
@@ -6544,7 +6633,7 @@
                 <a:tab pos="9701509" algn="l"/>
               </a:tabLst>
             </a:pPr>
-            <a:fld id="{6BDD2724-8448-4064-B4C9-53857881707D}" type="datetime1">
+            <a:fld id="{197B4223-4EEA-4A49-9416-290585483A93}" type="datetime1">
               <a:rPr lang="en-US" smtClean="0"/>
               <a:t>2/25/2019</a:t>
             </a:fld>
@@ -6828,8 +6917,8 @@
               <a:defRPr/>
             </a:pPr>
             <a:r>
-              <a:rPr lang="en-US" dirty="0" smtClean="0"/>
-              <a:t>Title of presentation | Department, name</a:t>
+              <a:rPr lang="en-US" smtClean="0"/>
+              <a:t>Informatikprojekt Chatprogramm | DHBW Karlsruhe; Jacqueline Kaefer &amp; Luca Katzenberger</a:t>
             </a:r>
             <a:endParaRPr lang="en-US" dirty="0"/>
           </a:p>
@@ -6951,7 +7040,7 @@
                 <a:tab pos="9701509" algn="l"/>
               </a:tabLst>
             </a:pPr>
-            <a:fld id="{9B2FBB8C-CCDD-42DE-A980-6EEC5A0C6865}" type="datetime1">
+            <a:fld id="{92CAB891-EEDC-4982-8FB5-9ACB0E05CCC7}" type="datetime1">
               <a:rPr lang="en-US" smtClean="0"/>
               <a:t>2/25/2019</a:t>
             </a:fld>
@@ -7253,7 +7342,7 @@
             </a:pPr>
             <a:r>
               <a:rPr lang="en-US" smtClean="0"/>
-              <a:t>Title of presentation | Department, name</a:t>
+              <a:t>Informatikprojekt Chatprogramm | DHBW Karlsruhe; Jacqueline Kaefer &amp; Luca Katzenberger</a:t>
             </a:r>
             <a:endParaRPr lang="en-US" dirty="0"/>
           </a:p>
@@ -7375,7 +7464,7 @@
                 <a:tab pos="9701509" algn="l"/>
               </a:tabLst>
             </a:pPr>
-            <a:fld id="{05906B65-21CE-4D9B-A27B-5F7EDF1BEAEF}" type="datetime1">
+            <a:fld id="{C72DEB5C-87DF-44F0-A6BA-7007099B6997}" type="datetime1">
               <a:rPr lang="en-US" smtClean="0"/>
               <a:t>2/25/2019</a:t>
             </a:fld>
@@ -7619,8 +7708,8 @@
               <a:defRPr/>
             </a:pPr>
             <a:r>
-              <a:rPr lang="en-US" dirty="0" smtClean="0"/>
-              <a:t>Title of presentation | Department, name</a:t>
+              <a:rPr lang="en-US" smtClean="0"/>
+              <a:t>Informatikprojekt Chatprogramm | DHBW Karlsruhe; Jacqueline Kaefer &amp; Luca Katzenberger</a:t>
             </a:r>
             <a:endParaRPr lang="en-US" dirty="0"/>
           </a:p>
@@ -7742,7 +7831,7 @@
                 <a:tab pos="9701509" algn="l"/>
               </a:tabLst>
             </a:pPr>
-            <a:fld id="{4621BD7D-0AC7-4151-9E43-40352A2205CC}" type="datetime1">
+            <a:fld id="{BC042988-698E-42AC-898D-4AD609639A30}" type="datetime1">
               <a:rPr lang="en-US" smtClean="0"/>
               <a:t>2/25/2019</a:t>
             </a:fld>
@@ -8001,8 +8090,8 @@
               <a:defRPr/>
             </a:pPr>
             <a:r>
-              <a:rPr lang="en-US" dirty="0" smtClean="0"/>
-              <a:t>Title of presentation | Department, name</a:t>
+              <a:rPr lang="en-US" smtClean="0"/>
+              <a:t>Informatikprojekt Chatprogramm | DHBW Karlsruhe; Jacqueline Kaefer &amp; Luca Katzenberger</a:t>
             </a:r>
             <a:endParaRPr lang="en-US" dirty="0"/>
           </a:p>
@@ -8124,7 +8213,7 @@
                 <a:tab pos="9701509" algn="l"/>
               </a:tabLst>
             </a:pPr>
-            <a:fld id="{B95A1E6B-E1E7-4F21-9C57-195197A416C1}" type="datetime1">
+            <a:fld id="{0A3DBFAD-95C4-4B23-B701-BF43C3022412}" type="datetime1">
               <a:rPr lang="en-US" smtClean="0"/>
               <a:t>2/25/2019</a:t>
             </a:fld>
@@ -8286,7 +8375,7 @@
             </a:pPr>
             <a:r>
               <a:rPr lang="en-US" smtClean="0"/>
-              <a:t>Title of presentation | Department, name</a:t>
+              <a:t>Informatikprojekt Chatprogramm | DHBW Karlsruhe; Jacqueline Kaefer &amp; Luca Katzenberger</a:t>
             </a:r>
             <a:endParaRPr lang="en-US" dirty="0"/>
           </a:p>
@@ -8408,7 +8497,7 @@
                 <a:tab pos="9701509" algn="l"/>
               </a:tabLst>
             </a:pPr>
-            <a:fld id="{6C6B24F3-52F9-45E0-A431-9D1D5B561384}" type="datetime1">
+            <a:fld id="{6D23D87D-2401-4D92-92C1-30076C151631}" type="datetime1">
               <a:rPr lang="en-US" smtClean="0"/>
               <a:t>2/25/2019</a:t>
             </a:fld>
@@ -8671,7 +8760,7 @@
             </a:pPr>
             <a:r>
               <a:rPr lang="en-US" smtClean="0"/>
-              <a:t>Title of presentation | Department, name</a:t>
+              <a:t>Informatikprojekt Chatprogramm | DHBW Karlsruhe; Jacqueline Kaefer &amp; Luca Katzenberger</a:t>
             </a:r>
             <a:endParaRPr lang="en-US" dirty="0"/>
           </a:p>
@@ -8793,7 +8882,7 @@
                 <a:tab pos="9701509" algn="l"/>
               </a:tabLst>
             </a:pPr>
-            <a:fld id="{3F84D486-F2F9-4E36-A44A-BDCC0D7298B8}" type="datetime1">
+            <a:fld id="{93EB06A0-CBCB-4B94-BD85-86F8EF3605BD}" type="datetime1">
               <a:rPr lang="en-US" smtClean="0"/>
               <a:t>2/25/2019</a:t>
             </a:fld>
@@ -9252,8 +9341,8 @@
               <a:defRPr/>
             </a:pPr>
             <a:r>
-              <a:rPr lang="en-US" dirty="0" smtClean="0"/>
-              <a:t>Title of presentation | Department, name</a:t>
+              <a:rPr lang="en-US" smtClean="0"/>
+              <a:t>Informatikprojekt Chatprogramm | DHBW Karlsruhe; Jacqueline Kaefer &amp; Luca Katzenberger</a:t>
             </a:r>
             <a:endParaRPr lang="en-US" dirty="0"/>
           </a:p>
@@ -9375,7 +9464,7 @@
                 <a:tab pos="9701509" algn="l"/>
               </a:tabLst>
             </a:pPr>
-            <a:fld id="{BA9554C4-4AAE-426A-8A12-9CE57DB01E8D}" type="datetime1">
+            <a:fld id="{B049C7B8-D949-48BF-BBB6-EB5EE23991DD}" type="datetime1">
               <a:rPr lang="en-US" smtClean="0"/>
               <a:t>2/25/2019</a:t>
             </a:fld>
@@ -9735,8 +9824,8 @@
               <a:defRPr/>
             </a:pPr>
             <a:r>
-              <a:rPr lang="en-US" dirty="0" smtClean="0"/>
-              <a:t>Title of presentation | Department, name</a:t>
+              <a:rPr lang="en-US" smtClean="0"/>
+              <a:t>Informatikprojekt Chatprogramm | DHBW Karlsruhe; Jacqueline Kaefer &amp; Luca Katzenberger</a:t>
             </a:r>
             <a:endParaRPr lang="en-US" dirty="0"/>
           </a:p>
@@ -9858,7 +9947,7 @@
                 <a:tab pos="9701509" algn="l"/>
               </a:tabLst>
             </a:pPr>
-            <a:fld id="{2D2DC78E-E20A-4551-8693-68CCA20358B1}" type="datetime1">
+            <a:fld id="{8C95B8BF-577E-4476-B184-84F33C04FE97}" type="datetime1">
               <a:rPr lang="en-US" smtClean="0"/>
               <a:t>2/25/2019</a:t>
             </a:fld>
@@ -10201,8 +10290,8 @@
               <a:defRPr/>
             </a:pPr>
             <a:r>
-              <a:rPr lang="en-US" dirty="0" smtClean="0"/>
-              <a:t>Title of presentation | Department, name</a:t>
+              <a:rPr lang="en-US" smtClean="0"/>
+              <a:t>Informatikprojekt Chatprogramm | DHBW Karlsruhe; Jacqueline Kaefer &amp; Luca Katzenberger</a:t>
             </a:r>
             <a:endParaRPr lang="en-US" dirty="0"/>
           </a:p>
@@ -10324,7 +10413,7 @@
                 <a:tab pos="9701509" algn="l"/>
               </a:tabLst>
             </a:pPr>
-            <a:fld id="{8D66A070-9A12-4EBA-B3F2-544BBBBDA54F}" type="datetime1">
+            <a:fld id="{53C2DBF8-54A7-4A5B-99A0-0A219E26D737}" type="datetime1">
               <a:rPr lang="en-US" smtClean="0"/>
               <a:t>2/25/2019</a:t>
             </a:fld>
@@ -10544,7 +10633,7 @@
       </p:par>
     </p:tnLst>
   </p:timing>
-  <p:hf sldNum="0" hdr="0" ftr="0" dt="0"/>
+  <p:hf hdr="0"/>
   <p:txStyles>
     <p:titleStyle>
       <a:lvl1pPr algn="l" defTabSz="485214" rtl="0" eaLnBrk="1" fontAlgn="base" hangingPunct="1">
@@ -11187,7 +11276,7 @@
                 <a:tab pos="9701509" algn="l"/>
               </a:tabLst>
             </a:pPr>
-            <a:fld id="{51D12988-2311-49D8-95BD-13FB23C5CA64}" type="datetime1">
+            <a:fld id="{6E6612E1-BB94-4136-BF56-B735C4DAB6FF}" type="datetime1">
               <a:rPr lang="en-US" smtClean="0"/>
               <a:t>2/25/2019</a:t>
             </a:fld>
@@ -11232,7 +11321,15 @@
             </a:r>
             <a:r>
               <a:rPr lang="en-US" dirty="0" smtClean="0"/>
-              <a:t> | DHBW Karlsruhe; Jacqueline Kaefer &amp; Luca Katzenberger</a:t>
+              <a:t> | DHBW </a:t>
+            </a:r>
+            <a:r>
+              <a:rPr lang="en-US" dirty="0" smtClean="0"/>
+              <a:t>Karlsruhe; </a:t>
+            </a:r>
+            <a:r>
+              <a:rPr lang="en-US" dirty="0" smtClean="0"/>
+              <a:t>Jacqueline Kaefer &amp; Luca Katzenberger</a:t>
             </a:r>
             <a:endParaRPr lang="en-US" dirty="0"/>
           </a:p>
@@ -12089,7 +12186,7 @@
                 <a:tab pos="9701509" algn="l"/>
               </a:tabLst>
             </a:pPr>
-            <a:fld id="{51D12988-2311-49D8-95BD-13FB23C5CA64}" type="datetime1">
+            <a:fld id="{C8053685-618F-4362-A78D-E12851F49413}" type="datetime1">
               <a:rPr lang="en-US" smtClean="0"/>
               <a:t>2/25/2019</a:t>
             </a:fld>
@@ -12137,6 +12234,35 @@
               <a:t> | DHBW Karlsruhe; Jacqueline Kaefer &amp; Luca Katzenberger</a:t>
             </a:r>
             <a:endParaRPr lang="en-US" dirty="0"/>
+          </a:p>
+        </p:txBody>
+      </p:sp>
+      <p:sp>
+        <p:nvSpPr>
+          <p:cNvPr id="3" name="Foliennummernplatzhalter 2"/>
+          <p:cNvSpPr>
+            <a:spLocks noGrp="1"/>
+          </p:cNvSpPr>
+          <p:nvPr>
+            <p:ph type="sldNum" sz="quarter" idx="4"/>
+          </p:nvPr>
+        </p:nvSpPr>
+        <p:spPr/>
+        <p:txBody>
+          <a:bodyPr/>
+          <a:lstStyle/>
+          <a:p>
+            <a:pPr>
+              <a:defRPr/>
+            </a:pPr>
+            <a:fld id="{B9D5CAF7-47C3-4973-B038-29758BD775F7}" type="slidenum">
+              <a:rPr lang="de-DE" smtClean="0"/>
+              <a:pPr>
+                <a:defRPr/>
+              </a:pPr>
+              <a:t>2</a:t>
+            </a:fld>
+            <a:endParaRPr lang="de-DE" dirty="0"/>
           </a:p>
         </p:txBody>
       </p:sp>
@@ -12485,16 +12611,7 @@
                 </a:solidFill>
                 <a:latin typeface="Arial" panose="020B0604020202020204" pitchFamily="34" charset="0"/>
               </a:rPr>
-              <a:t>Andere Computer </a:t>
-            </a:r>
-            <a:r>
-              <a:rPr lang="de-DE" sz="1600" b="0" i="0" u="none" baseline="0" dirty="0" smtClean="0">
-                <a:solidFill>
-                  <a:srgbClr val="000000"/>
-                </a:solidFill>
-                <a:latin typeface="Arial" panose="020B0604020202020204" pitchFamily="34" charset="0"/>
-              </a:rPr>
-              <a:t>im Netzwerk</a:t>
+              <a:t>Andere Computer im Netzwerk</a:t>
             </a:r>
           </a:p>
         </p:txBody>
@@ -12993,7 +13110,7 @@
                 <a:tab pos="9701509" algn="l"/>
               </a:tabLst>
             </a:pPr>
-            <a:fld id="{51D12988-2311-49D8-95BD-13FB23C5CA64}" type="datetime1">
+            <a:fld id="{867EABC0-2D02-4FC2-9095-49AC8B4B40EC}" type="datetime1">
               <a:rPr lang="en-US" smtClean="0"/>
               <a:t>2/25/2019</a:t>
             </a:fld>
@@ -13041,6 +13158,35 @@
               <a:t> | DHBW Karlsruhe; Jacqueline Kaefer &amp; Luca Katzenberger</a:t>
             </a:r>
             <a:endParaRPr lang="en-US" dirty="0"/>
+          </a:p>
+        </p:txBody>
+      </p:sp>
+      <p:sp>
+        <p:nvSpPr>
+          <p:cNvPr id="3" name="Foliennummernplatzhalter 2"/>
+          <p:cNvSpPr>
+            <a:spLocks noGrp="1"/>
+          </p:cNvSpPr>
+          <p:nvPr>
+            <p:ph type="sldNum" sz="quarter" idx="4"/>
+          </p:nvPr>
+        </p:nvSpPr>
+        <p:spPr/>
+        <p:txBody>
+          <a:bodyPr/>
+          <a:lstStyle/>
+          <a:p>
+            <a:pPr>
+              <a:defRPr/>
+            </a:pPr>
+            <a:fld id="{B9D5CAF7-47C3-4973-B038-29758BD775F7}" type="slidenum">
+              <a:rPr lang="de-DE" smtClean="0"/>
+              <a:pPr>
+                <a:defRPr/>
+              </a:pPr>
+              <a:t>3</a:t>
+            </a:fld>
+            <a:endParaRPr lang="de-DE" dirty="0"/>
           </a:p>
         </p:txBody>
       </p:sp>
@@ -13188,7 +13334,7 @@
                 <a:tab pos="9701509" algn="l"/>
               </a:tabLst>
             </a:pPr>
-            <a:fld id="{51D12988-2311-49D8-95BD-13FB23C5CA64}" type="datetime1">
+            <a:fld id="{B959B0C1-A92E-4320-9E6C-12031824BEC2}" type="datetime1">
               <a:rPr lang="en-US" smtClean="0"/>
               <a:t>2/25/2019</a:t>
             </a:fld>
@@ -13236,6 +13382,35 @@
               <a:t> | DHBW Karlsruhe; Jacqueline Kaefer &amp; Luca Katzenberger</a:t>
             </a:r>
             <a:endParaRPr lang="en-US" dirty="0"/>
+          </a:p>
+        </p:txBody>
+      </p:sp>
+      <p:sp>
+        <p:nvSpPr>
+          <p:cNvPr id="3" name="Foliennummernplatzhalter 2"/>
+          <p:cNvSpPr>
+            <a:spLocks noGrp="1"/>
+          </p:cNvSpPr>
+          <p:nvPr>
+            <p:ph type="sldNum" sz="quarter" idx="4"/>
+          </p:nvPr>
+        </p:nvSpPr>
+        <p:spPr/>
+        <p:txBody>
+          <a:bodyPr/>
+          <a:lstStyle/>
+          <a:p>
+            <a:pPr>
+              <a:defRPr/>
+            </a:pPr>
+            <a:fld id="{B9D5CAF7-47C3-4973-B038-29758BD775F7}" type="slidenum">
+              <a:rPr lang="de-DE" smtClean="0"/>
+              <a:pPr>
+                <a:defRPr/>
+              </a:pPr>
+              <a:t>4</a:t>
+            </a:fld>
+            <a:endParaRPr lang="de-DE" dirty="0"/>
           </a:p>
         </p:txBody>
       </p:sp>
@@ -13359,7 +13534,7 @@
                 <a:tab pos="9701509" algn="l"/>
               </a:tabLst>
             </a:pPr>
-            <a:fld id="{51D12988-2311-49D8-95BD-13FB23C5CA64}" type="datetime1">
+            <a:fld id="{BDF3306E-DB80-41BB-B8E3-70C0FFC0F166}" type="datetime1">
               <a:rPr lang="en-US" smtClean="0"/>
               <a:t>2/25/2019</a:t>
             </a:fld>
@@ -13404,11 +13579,7 @@
             </a:r>
             <a:r>
               <a:rPr lang="en-US" dirty="0" smtClean="0"/>
-              <a:t> | </a:t>
-            </a:r>
-            <a:r>
-              <a:rPr lang="en-US" dirty="0" smtClean="0"/>
-              <a:t>DHBW Karlsruhe; Jacqueline Kaefer &amp; Luca Katzenberger</a:t>
+              <a:t> | DHBW Karlsruhe; Jacqueline Kaefer &amp; Luca Katzenberger</a:t>
             </a:r>
             <a:endParaRPr lang="en-US" dirty="0"/>
           </a:p>
@@ -13438,6 +13609,35 @@
           </a:prstGeom>
         </p:spPr>
       </p:pic>
+      <p:sp>
+        <p:nvSpPr>
+          <p:cNvPr id="3" name="Foliennummernplatzhalter 2"/>
+          <p:cNvSpPr>
+            <a:spLocks noGrp="1"/>
+          </p:cNvSpPr>
+          <p:nvPr>
+            <p:ph type="sldNum" sz="quarter" idx="4"/>
+          </p:nvPr>
+        </p:nvSpPr>
+        <p:spPr/>
+        <p:txBody>
+          <a:bodyPr/>
+          <a:lstStyle/>
+          <a:p>
+            <a:pPr>
+              <a:defRPr/>
+            </a:pPr>
+            <a:fld id="{B9D5CAF7-47C3-4973-B038-29758BD775F7}" type="slidenum">
+              <a:rPr lang="de-DE" smtClean="0"/>
+              <a:pPr>
+                <a:defRPr/>
+              </a:pPr>
+              <a:t>5</a:t>
+            </a:fld>
+            <a:endParaRPr lang="de-DE" dirty="0"/>
+          </a:p>
+        </p:txBody>
+      </p:sp>
     </p:spTree>
     <p:extLst>
       <p:ext uri="{BB962C8B-B14F-4D97-AF65-F5344CB8AC3E}">
@@ -13477,18 +13677,18 @@
       </p:grpSpPr>
       <p:sp>
         <p:nvSpPr>
-          <p:cNvPr id="2" name="Titel 1"/>
-          <p:cNvSpPr>
-            <a:spLocks noGrp="1"/>
-          </p:cNvSpPr>
-          <p:nvPr>
-            <p:ph type="title"/>
+          <p:cNvPr id="12" name="Titel 11"/>
+          <p:cNvSpPr>
+            <a:spLocks noGrp="1"/>
+          </p:cNvSpPr>
+          <p:nvPr>
+            <p:ph type="ctrTitle"/>
           </p:nvPr>
         </p:nvSpPr>
         <p:spPr>
           <a:xfrm>
-            <a:off x="682520" y="974814"/>
-            <a:ext cx="9831253" cy="410369"/>
+            <a:off x="1400974" y="2458320"/>
+            <a:ext cx="9831253" cy="579133"/>
           </a:xfrm>
         </p:spPr>
         <p:txBody>
@@ -13496,38 +13696,44 @@
           <a:lstStyle/>
           <a:p>
             <a:r>
-              <a:rPr lang="de-DE" dirty="0" smtClean="0"/>
-              <a:t>Quellen</a:t>
-            </a:r>
-            <a:endParaRPr lang="de-DE" dirty="0"/>
-          </a:p>
-        </p:txBody>
-      </p:sp>
-      <p:sp>
-        <p:nvSpPr>
-          <p:cNvPr id="3" name="Textplatzhalter 2"/>
-          <p:cNvSpPr>
-            <a:spLocks noGrp="1"/>
-          </p:cNvSpPr>
-          <p:nvPr>
-            <p:ph type="body" sz="quarter" idx="10"/>
-          </p:nvPr>
-        </p:nvSpPr>
-        <p:spPr/>
+              <a:rPr lang="de-DE" sz="6000" dirty="0" smtClean="0"/>
+              <a:t>Chatprogramm</a:t>
+            </a:r>
+            <a:endParaRPr lang="de-DE" sz="6000" dirty="0"/>
+          </a:p>
+        </p:txBody>
+      </p:sp>
+      <p:sp>
+        <p:nvSpPr>
+          <p:cNvPr id="13" name="Untertitel 12"/>
+          <p:cNvSpPr>
+            <a:spLocks noGrp="1"/>
+          </p:cNvSpPr>
+          <p:nvPr>
+            <p:ph type="subTitle" idx="1"/>
+          </p:nvPr>
+        </p:nvSpPr>
+        <p:spPr>
+          <a:xfrm>
+            <a:off x="2183385" y="3204621"/>
+            <a:ext cx="9831253" cy="276999"/>
+          </a:xfrm>
+        </p:spPr>
         <p:txBody>
           <a:bodyPr/>
           <a:lstStyle/>
           <a:p>
             <a:r>
-              <a:rPr lang="de-DE" dirty="0"/>
-              <a:t>Computer: https://upload.wikimedia.org/wikipedia/commons/b/b2/Gnome-computer.svg</a:t>
-            </a:r>
-          </a:p>
-        </p:txBody>
-      </p:sp>
-      <p:sp>
-        <p:nvSpPr>
-          <p:cNvPr id="5" name="Datumsplatzhalter 13"/>
+              <a:rPr lang="de-DE" sz="1800" dirty="0" smtClean="0"/>
+              <a:t>Informatikprojekt Softwareentwicklung</a:t>
+            </a:r>
+            <a:endParaRPr lang="de-DE" sz="1800" dirty="0"/>
+          </a:p>
+        </p:txBody>
+      </p:sp>
+      <p:sp>
+        <p:nvSpPr>
+          <p:cNvPr id="14" name="Datumsplatzhalter 13"/>
           <p:cNvSpPr>
             <a:spLocks noGrp="1"/>
           </p:cNvSpPr>
@@ -13535,12 +13741,7 @@
             <p:ph type="dt" sz="half" idx="2"/>
           </p:nvPr>
         </p:nvSpPr>
-        <p:spPr>
-          <a:xfrm>
-            <a:off x="7669658" y="6623088"/>
-            <a:ext cx="2845047" cy="147581"/>
-          </a:xfrm>
-        </p:spPr>
+        <p:spPr/>
         <p:txBody>
           <a:bodyPr/>
           <a:lstStyle/>
@@ -13580,7 +13781,7 @@
                 <a:tab pos="9701509" algn="l"/>
               </a:tabLst>
             </a:pPr>
-            <a:fld id="{51D12988-2311-49D8-95BD-13FB23C5CA64}" type="datetime1">
+            <a:fld id="{F0A63CE6-6B0D-485E-90FA-29CD973CEBA6}" type="datetime1">
               <a:rPr lang="en-US" smtClean="0"/>
               <a:t>2/25/2019</a:t>
             </a:fld>
@@ -13590,7 +13791,7 @@
       </p:sp>
       <p:sp>
         <p:nvSpPr>
-          <p:cNvPr id="6" name="Fußzeilenplatzhalter 14"/>
+          <p:cNvPr id="15" name="Fußzeilenplatzhalter 14"/>
           <p:cNvSpPr>
             <a:spLocks noGrp="1"/>
           </p:cNvSpPr>
@@ -13625,22 +13826,52 @@
             </a:r>
             <a:r>
               <a:rPr lang="en-US" dirty="0" smtClean="0"/>
-              <a:t>| DHBW Karlsruhe; Jacqueline Kaefer &amp; Luca Katzenberger</a:t>
+              <a:t> | DHBW Karlsruhe; Jacqueline Kaefer &amp; Luca Katzenberger</a:t>
             </a:r>
             <a:endParaRPr lang="en-US" dirty="0"/>
+          </a:p>
+        </p:txBody>
+      </p:sp>
+      <p:sp>
+        <p:nvSpPr>
+          <p:cNvPr id="16" name="Foliennummernplatzhalter 15"/>
+          <p:cNvSpPr>
+            <a:spLocks noGrp="1"/>
+          </p:cNvSpPr>
+          <p:nvPr>
+            <p:ph type="sldNum" sz="quarter" idx="4"/>
+          </p:nvPr>
+        </p:nvSpPr>
+        <p:spPr/>
+        <p:txBody>
+          <a:bodyPr/>
+          <a:lstStyle/>
+          <a:p>
+            <a:pPr>
+              <a:defRPr/>
+            </a:pPr>
+            <a:fld id="{B9D5CAF7-47C3-4973-B038-29758BD775F7}" type="slidenum">
+              <a:rPr lang="de-DE" smtClean="0"/>
+              <a:pPr>
+                <a:defRPr/>
+              </a:pPr>
+              <a:t>6</a:t>
+            </a:fld>
+            <a:endParaRPr lang="de-DE" dirty="0"/>
           </a:p>
         </p:txBody>
       </p:sp>
     </p:spTree>
     <p:extLst>
       <p:ext uri="{BB962C8B-B14F-4D97-AF65-F5344CB8AC3E}">
-        <p14:creationId xmlns:p14="http://schemas.microsoft.com/office/powerpoint/2010/main" val="902312460"/>
+        <p14:creationId xmlns:p14="http://schemas.microsoft.com/office/powerpoint/2010/main" val="3486771558"/>
       </p:ext>
     </p:extLst>
   </p:cSld>
   <p:clrMapOvr>
     <a:masterClrMapping/>
   </p:clrMapOvr>
+  <p:transition spd="slow"/>
   <p:timing>
     <p:tnLst>
       <p:par>
@@ -13690,7 +13921,7 @@
           <a:p>
             <a:r>
               <a:rPr lang="de-DE" dirty="0" smtClean="0"/>
-              <a:t>Im Programm zeigen</a:t>
+              <a:t>Quellen</a:t>
             </a:r>
             <a:endParaRPr lang="de-DE" dirty="0"/>
           </a:p>
@@ -13712,6 +13943,216 @@
           <a:lstStyle/>
           <a:p>
             <a:r>
+              <a:rPr lang="de-DE" dirty="0"/>
+              <a:t>Computer: https://upload.wikimedia.org/wikipedia/commons/b/b2/Gnome-computer.svg</a:t>
+            </a:r>
+          </a:p>
+        </p:txBody>
+      </p:sp>
+      <p:sp>
+        <p:nvSpPr>
+          <p:cNvPr id="5" name="Datumsplatzhalter 13"/>
+          <p:cNvSpPr>
+            <a:spLocks noGrp="1"/>
+          </p:cNvSpPr>
+          <p:nvPr>
+            <p:ph type="dt" sz="half" idx="2"/>
+          </p:nvPr>
+        </p:nvSpPr>
+        <p:spPr>
+          <a:xfrm>
+            <a:off x="7669658" y="6623088"/>
+            <a:ext cx="2845047" cy="147581"/>
+          </a:xfrm>
+        </p:spPr>
+        <p:txBody>
+          <a:bodyPr/>
+          <a:lstStyle/>
+          <a:p>
+            <a:pPr defTabSz="485161" fontAlgn="base" hangingPunct="0">
+              <a:lnSpc>
+                <a:spcPct val="93000"/>
+              </a:lnSpc>
+              <a:spcBef>
+                <a:spcPct val="0"/>
+              </a:spcBef>
+              <a:spcAft>
+                <a:spcPct val="0"/>
+              </a:spcAft>
+              <a:buSzPct val="100000"/>
+              <a:tabLst>
+                <a:tab pos="0" algn="l"/>
+                <a:tab pos="483447" algn="l"/>
+                <a:tab pos="968608" algn="l"/>
+                <a:tab pos="1453768" algn="l"/>
+                <a:tab pos="1938932" algn="l"/>
+                <a:tab pos="2424091" algn="l"/>
+                <a:tab pos="2909252" algn="l"/>
+                <a:tab pos="3394415" algn="l"/>
+                <a:tab pos="3879574" algn="l"/>
+                <a:tab pos="4364734" algn="l"/>
+                <a:tab pos="4849898" algn="l"/>
+                <a:tab pos="5335057" algn="l"/>
+                <a:tab pos="5820220" algn="l"/>
+                <a:tab pos="6305381" algn="l"/>
+                <a:tab pos="6790542" algn="l"/>
+                <a:tab pos="7275702" algn="l"/>
+                <a:tab pos="7760865" algn="l"/>
+                <a:tab pos="8246025" algn="l"/>
+                <a:tab pos="8731187" algn="l"/>
+                <a:tab pos="9216348" algn="l"/>
+                <a:tab pos="9701509" algn="l"/>
+              </a:tabLst>
+            </a:pPr>
+            <a:fld id="{0901763B-89B2-4FC6-B398-F4E258D17DDE}" type="datetime1">
+              <a:rPr lang="en-US" smtClean="0"/>
+              <a:t>2/25/2019</a:t>
+            </a:fld>
+            <a:endParaRPr lang="en-US" dirty="0"/>
+          </a:p>
+        </p:txBody>
+      </p:sp>
+      <p:sp>
+        <p:nvSpPr>
+          <p:cNvPr id="6" name="Fußzeilenplatzhalter 14"/>
+          <p:cNvSpPr>
+            <a:spLocks noGrp="1"/>
+          </p:cNvSpPr>
+          <p:nvPr>
+            <p:ph type="ftr" sz="quarter" idx="3"/>
+          </p:nvPr>
+        </p:nvSpPr>
+        <p:spPr>
+          <a:xfrm>
+            <a:off x="683703" y="6623088"/>
+            <a:ext cx="5400469" cy="148013"/>
+          </a:xfrm>
+        </p:spPr>
+        <p:txBody>
+          <a:bodyPr/>
+          <a:lstStyle/>
+          <a:p>
+            <a:pPr>
+              <a:defRPr/>
+            </a:pPr>
+            <a:r>
+              <a:rPr lang="en-US" smtClean="0"/>
+              <a:t>Informatikprojekt Chatprogramm | DHBW Karlsruhe; Jacqueline Kaefer &amp; Luca Katzenberger</a:t>
+            </a:r>
+            <a:endParaRPr lang="en-US" dirty="0"/>
+          </a:p>
+        </p:txBody>
+      </p:sp>
+      <p:sp>
+        <p:nvSpPr>
+          <p:cNvPr id="4" name="Foliennummernplatzhalter 3"/>
+          <p:cNvSpPr>
+            <a:spLocks noGrp="1"/>
+          </p:cNvSpPr>
+          <p:nvPr>
+            <p:ph type="sldNum" sz="quarter" idx="4"/>
+          </p:nvPr>
+        </p:nvSpPr>
+        <p:spPr/>
+        <p:txBody>
+          <a:bodyPr/>
+          <a:lstStyle/>
+          <a:p>
+            <a:pPr>
+              <a:defRPr/>
+            </a:pPr>
+            <a:fld id="{B9D5CAF7-47C3-4973-B038-29758BD775F7}" type="slidenum">
+              <a:rPr lang="de-DE" smtClean="0"/>
+              <a:pPr>
+                <a:defRPr/>
+              </a:pPr>
+              <a:t>7</a:t>
+            </a:fld>
+            <a:endParaRPr lang="de-DE" dirty="0"/>
+          </a:p>
+        </p:txBody>
+      </p:sp>
+    </p:spTree>
+    <p:extLst>
+      <p:ext uri="{BB962C8B-B14F-4D97-AF65-F5344CB8AC3E}">
+        <p14:creationId xmlns:p14="http://schemas.microsoft.com/office/powerpoint/2010/main" val="902312460"/>
+      </p:ext>
+    </p:extLst>
+  </p:cSld>
+  <p:clrMapOvr>
+    <a:masterClrMapping/>
+  </p:clrMapOvr>
+  <p:timing>
+    <p:tnLst>
+      <p:par>
+        <p:cTn id="1" dur="indefinite" restart="never" nodeType="tmRoot"/>
+      </p:par>
+    </p:tnLst>
+  </p:timing>
+</p:sld>
+</file>
+
+<file path=ppt/slides/slide8.xml><?xml version="1.0" encoding="utf-8"?>
+<p:sld xmlns:a="http://schemas.openxmlformats.org/drawingml/2006/main" xmlns:r="http://schemas.openxmlformats.org/officeDocument/2006/relationships" xmlns:p="http://schemas.openxmlformats.org/presentationml/2006/main">
+  <p:cSld>
+    <p:spTree>
+      <p:nvGrpSpPr>
+        <p:cNvPr id="1" name=""/>
+        <p:cNvGrpSpPr/>
+        <p:nvPr/>
+      </p:nvGrpSpPr>
+      <p:grpSpPr>
+        <a:xfrm>
+          <a:off x="0" y="0"/>
+          <a:ext cx="0" cy="0"/>
+          <a:chOff x="0" y="0"/>
+          <a:chExt cx="0" cy="0"/>
+        </a:xfrm>
+      </p:grpSpPr>
+      <p:sp>
+        <p:nvSpPr>
+          <p:cNvPr id="2" name="Titel 1"/>
+          <p:cNvSpPr>
+            <a:spLocks noGrp="1"/>
+          </p:cNvSpPr>
+          <p:nvPr>
+            <p:ph type="title"/>
+          </p:nvPr>
+        </p:nvSpPr>
+        <p:spPr>
+          <a:xfrm>
+            <a:off x="682520" y="974814"/>
+            <a:ext cx="9831253" cy="410369"/>
+          </a:xfrm>
+        </p:spPr>
+        <p:txBody>
+          <a:bodyPr/>
+          <a:lstStyle/>
+          <a:p>
+            <a:r>
+              <a:rPr lang="de-DE" dirty="0" smtClean="0"/>
+              <a:t>Im Programm zeigen</a:t>
+            </a:r>
+            <a:endParaRPr lang="de-DE" dirty="0"/>
+          </a:p>
+        </p:txBody>
+      </p:sp>
+      <p:sp>
+        <p:nvSpPr>
+          <p:cNvPr id="3" name="Textplatzhalter 2"/>
+          <p:cNvSpPr>
+            <a:spLocks noGrp="1"/>
+          </p:cNvSpPr>
+          <p:nvPr>
+            <p:ph type="body" sz="quarter" idx="10"/>
+          </p:nvPr>
+        </p:nvSpPr>
+        <p:spPr/>
+        <p:txBody>
+          <a:bodyPr/>
+          <a:lstStyle/>
+          <a:p>
+            <a:r>
               <a:rPr lang="de-DE" dirty="0" smtClean="0"/>
               <a:t>Starten -&gt; Username eingeben</a:t>
             </a:r>
@@ -13749,6 +14190,119 @@
               <a:rPr lang="de-DE" dirty="0" smtClean="0"/>
               <a:t>Programm zu und auf machen</a:t>
             </a:r>
+            <a:endParaRPr lang="de-DE" dirty="0"/>
+          </a:p>
+        </p:txBody>
+      </p:sp>
+      <p:sp>
+        <p:nvSpPr>
+          <p:cNvPr id="4" name="Datumsplatzhalter 3"/>
+          <p:cNvSpPr>
+            <a:spLocks noGrp="1"/>
+          </p:cNvSpPr>
+          <p:nvPr>
+            <p:ph type="dt" sz="half" idx="2"/>
+          </p:nvPr>
+        </p:nvSpPr>
+        <p:spPr/>
+        <p:txBody>
+          <a:bodyPr/>
+          <a:lstStyle/>
+          <a:p>
+            <a:pPr defTabSz="485161" fontAlgn="base" hangingPunct="0">
+              <a:lnSpc>
+                <a:spcPct val="93000"/>
+              </a:lnSpc>
+              <a:spcBef>
+                <a:spcPct val="0"/>
+              </a:spcBef>
+              <a:spcAft>
+                <a:spcPct val="0"/>
+              </a:spcAft>
+              <a:buSzPct val="100000"/>
+              <a:tabLst>
+                <a:tab pos="0" algn="l"/>
+                <a:tab pos="483447" algn="l"/>
+                <a:tab pos="968608" algn="l"/>
+                <a:tab pos="1453768" algn="l"/>
+                <a:tab pos="1938932" algn="l"/>
+                <a:tab pos="2424091" algn="l"/>
+                <a:tab pos="2909252" algn="l"/>
+                <a:tab pos="3394415" algn="l"/>
+                <a:tab pos="3879574" algn="l"/>
+                <a:tab pos="4364734" algn="l"/>
+                <a:tab pos="4849898" algn="l"/>
+                <a:tab pos="5335057" algn="l"/>
+                <a:tab pos="5820220" algn="l"/>
+                <a:tab pos="6305381" algn="l"/>
+                <a:tab pos="6790542" algn="l"/>
+                <a:tab pos="7275702" algn="l"/>
+                <a:tab pos="7760865" algn="l"/>
+                <a:tab pos="8246025" algn="l"/>
+                <a:tab pos="8731187" algn="l"/>
+                <a:tab pos="9216348" algn="l"/>
+                <a:tab pos="9701509" algn="l"/>
+              </a:tabLst>
+            </a:pPr>
+            <a:fld id="{08749197-7AEF-4D90-BEDC-2B1F9ABCEE1D}" type="datetime1">
+              <a:rPr lang="en-US" smtClean="0"/>
+              <a:t>2/25/2019</a:t>
+            </a:fld>
+            <a:endParaRPr lang="en-US" dirty="0"/>
+          </a:p>
+        </p:txBody>
+      </p:sp>
+      <p:sp>
+        <p:nvSpPr>
+          <p:cNvPr id="5" name="Fußzeilenplatzhalter 4"/>
+          <p:cNvSpPr>
+            <a:spLocks noGrp="1"/>
+          </p:cNvSpPr>
+          <p:nvPr>
+            <p:ph type="ftr" sz="quarter" idx="3"/>
+          </p:nvPr>
+        </p:nvSpPr>
+        <p:spPr/>
+        <p:txBody>
+          <a:bodyPr/>
+          <a:lstStyle/>
+          <a:p>
+            <a:pPr>
+              <a:defRPr/>
+            </a:pPr>
+            <a:r>
+              <a:rPr lang="en-US" smtClean="0"/>
+              <a:t>Informatikprojekt Chatprogramm | DHBW Karlsruhe; Jacqueline Kaefer &amp; Luca Katzenberger</a:t>
+            </a:r>
+            <a:endParaRPr lang="en-US" dirty="0"/>
+          </a:p>
+        </p:txBody>
+      </p:sp>
+      <p:sp>
+        <p:nvSpPr>
+          <p:cNvPr id="6" name="Foliennummernplatzhalter 5"/>
+          <p:cNvSpPr>
+            <a:spLocks noGrp="1"/>
+          </p:cNvSpPr>
+          <p:nvPr>
+            <p:ph type="sldNum" sz="quarter" idx="4"/>
+          </p:nvPr>
+        </p:nvSpPr>
+        <p:spPr/>
+        <p:txBody>
+          <a:bodyPr/>
+          <a:lstStyle/>
+          <a:p>
+            <a:pPr>
+              <a:defRPr/>
+            </a:pPr>
+            <a:fld id="{B9D5CAF7-47C3-4973-B038-29758BD775F7}" type="slidenum">
+              <a:rPr lang="de-DE" smtClean="0"/>
+              <a:pPr>
+                <a:defRPr/>
+              </a:pPr>
+              <a:t>8</a:t>
+            </a:fld>
             <a:endParaRPr lang="de-DE" dirty="0"/>
           </a:p>
         </p:txBody>
